--- a/lectures/lec9/Lec9a-Superhet-DirectConv.pptx
+++ b/lectures/lec9/Lec9a-Superhet-DirectConv.pptx
@@ -323,7 +323,7 @@
             <a:fld id="{F33530C9-BF13-40EE-A1EC-EBBB0134EBBA}" type="datetime1">
               <a:rPr lang="en-US"/>
               <a:pPr/>
-              <a:t>11/19/2015</a:t>
+              <a:t>11/20/2015</a:t>
             </a:fld>
             <a:endParaRPr lang="en-US"/>
           </a:p>
@@ -541,7 +541,7 @@
             <a:fld id="{7DD20F8F-B3A0-465C-A2C5-4272F8BE0711}" type="datetime1">
               <a:rPr lang="en-US"/>
               <a:pPr/>
-              <a:t>11/19/2015</a:t>
+              <a:t>11/20/2015</a:t>
             </a:fld>
             <a:endParaRPr lang="en-US"/>
           </a:p>
@@ -940,7 +940,7 @@
             <a:fld id="{7DD20F8F-B3A0-465C-A2C5-4272F8BE0711}" type="datetime1">
               <a:rPr lang="en-US" smtClean="0"/>
               <a:pPr/>
-              <a:t>11/19/2015</a:t>
+              <a:t>11/20/2015</a:t>
             </a:fld>
             <a:endParaRPr lang="en-US"/>
           </a:p>
@@ -1077,7 +1077,7 @@
             <a:fld id="{7DD20F8F-B3A0-465C-A2C5-4272F8BE0711}" type="datetime1">
               <a:rPr lang="en-US" smtClean="0"/>
               <a:pPr/>
-              <a:t>11/19/2015</a:t>
+              <a:t>11/20/2015</a:t>
             </a:fld>
             <a:endParaRPr lang="en-US"/>
           </a:p>
@@ -2920,7 +2920,19 @@
             </a:r>
             <a:r>
               <a:rPr lang="en-US" dirty="0" smtClean="0"/>
-              <a:t> Receiver</a:t>
+              <a:t> </a:t>
+            </a:r>
+            <a:r>
+              <a:rPr lang="en-US" dirty="0" smtClean="0"/>
+              <a:t>(</a:t>
+            </a:r>
+            <a:r>
+              <a:rPr lang="en-US" dirty="0" err="1" smtClean="0"/>
+              <a:t>SuperHet</a:t>
+            </a:r>
+            <a:r>
+              <a:rPr lang="en-US" smtClean="0"/>
+              <a:t>) Receiver</a:t>
             </a:r>
             <a:endParaRPr lang="en-US" dirty="0"/>
           </a:p>
@@ -9265,30 +9277,13 @@
             <a:pPr lvl="1"/>
             <a:r>
               <a:rPr lang="en-US" dirty="0" smtClean="0"/>
-              <a:t>Link budget calculation</a:t>
-            </a:r>
-          </a:p>
-          <a:p>
-            <a:pPr lvl="1"/>
+              <a:t>Link budget </a:t>
+            </a:r>
             <a:r>
               <a:rPr lang="en-US" dirty="0" smtClean="0"/>
-              <a:t>Radar systems</a:t>
-            </a:r>
-          </a:p>
-          <a:p>
-            <a:pPr lvl="1"/>
-            <a:r>
-              <a:rPr lang="en-US" dirty="0" smtClean="0"/>
-              <a:t>Wireless communications systems</a:t>
-            </a:r>
-          </a:p>
-          <a:p>
-            <a:pPr lvl="1"/>
-            <a:r>
-              <a:rPr lang="en-US" dirty="0" smtClean="0"/>
-              <a:t>Test and measurement instrument</a:t>
-            </a:r>
-            <a:endParaRPr lang="en-US" dirty="0"/>
+              <a:t>calculation</a:t>
+            </a:r>
+            <a:endParaRPr lang="en-US" dirty="0" smtClean="0"/>
           </a:p>
         </p:txBody>
       </p:sp>

--- a/lectures/lec9/Lec9a-Superhet-DirectConv.pptx
+++ b/lectures/lec9/Lec9a-Superhet-DirectConv.pptx
@@ -323,7 +323,7 @@
             <a:fld id="{F33530C9-BF13-40EE-A1EC-EBBB0134EBBA}" type="datetime1">
               <a:rPr lang="en-US"/>
               <a:pPr/>
-              <a:t>11/20/2015</a:t>
+              <a:t>11/20/2015 Friday</a:t>
             </a:fld>
             <a:endParaRPr lang="en-US"/>
           </a:p>
@@ -541,7 +541,7 @@
             <a:fld id="{7DD20F8F-B3A0-465C-A2C5-4272F8BE0711}" type="datetime1">
               <a:rPr lang="en-US"/>
               <a:pPr/>
-              <a:t>11/20/2015</a:t>
+              <a:t>11/20/2015 Friday</a:t>
             </a:fld>
             <a:endParaRPr lang="en-US"/>
           </a:p>
@@ -940,7 +940,7 @@
             <a:fld id="{7DD20F8F-B3A0-465C-A2C5-4272F8BE0711}" type="datetime1">
               <a:rPr lang="en-US" smtClean="0"/>
               <a:pPr/>
-              <a:t>11/20/2015</a:t>
+              <a:t>11/20/2015 Friday</a:t>
             </a:fld>
             <a:endParaRPr lang="en-US"/>
           </a:p>
@@ -1077,7 +1077,7 @@
             <a:fld id="{7DD20F8F-B3A0-465C-A2C5-4272F8BE0711}" type="datetime1">
               <a:rPr lang="en-US" smtClean="0"/>
               <a:pPr/>
-              <a:t>11/20/2015</a:t>
+              <a:t>11/20/2015 Friday</a:t>
             </a:fld>
             <a:endParaRPr lang="en-US"/>
           </a:p>
@@ -2920,11 +2920,7 @@
             </a:r>
             <a:r>
               <a:rPr lang="en-US" dirty="0" smtClean="0"/>
-              <a:t> </a:t>
-            </a:r>
-            <a:r>
-              <a:rPr lang="en-US" dirty="0" smtClean="0"/>
-              <a:t>(</a:t>
+              <a:t> (</a:t>
             </a:r>
             <a:r>
               <a:rPr lang="en-US" dirty="0" err="1" smtClean="0"/>
@@ -9277,13 +9273,8 @@
             <a:pPr lvl="1"/>
             <a:r>
               <a:rPr lang="en-US" dirty="0" smtClean="0"/>
-              <a:t>Link budget </a:t>
-            </a:r>
-            <a:r>
-              <a:rPr lang="en-US" dirty="0" smtClean="0"/>
-              <a:t>calculation</a:t>
-            </a:r>
-            <a:endParaRPr lang="en-US" dirty="0" smtClean="0"/>
+              <a:t>Link budget calculation</a:t>
+            </a:r>
           </a:p>
         </p:txBody>
       </p:sp>
@@ -14556,17 +14547,27 @@
                 <a:latin typeface="Kalinga" panose="020B0502040204020203" pitchFamily="34" charset="0"/>
                 <a:cs typeface="Kalinga" panose="020B0502040204020203" pitchFamily="34" charset="0"/>
               </a:rPr>
-              <a:t>The envelop </a:t>
-            </a:r>
-            <a:r>
-              <a:rPr lang="en-US" sz="2000" dirty="0" err="1" smtClean="0">
+              <a:t>The </a:t>
+            </a:r>
+            <a:r>
+              <a:rPr lang="en-US" sz="2000" smtClean="0">
                 <a:solidFill>
                   <a:srgbClr val="C00000"/>
                 </a:solidFill>
                 <a:latin typeface="Kalinga" panose="020B0502040204020203" pitchFamily="34" charset="0"/>
                 <a:cs typeface="Kalinga" panose="020B0502040204020203" pitchFamily="34" charset="0"/>
               </a:rPr>
-              <a:t>singal</a:t>
+              <a:t>envelop </a:t>
+            </a:r>
+            <a:r>
+              <a:rPr lang="en-US" sz="2000" smtClean="0">
+                <a:solidFill>
+                  <a:srgbClr val="C00000"/>
+                </a:solidFill>
+                <a:latin typeface="Kalinga" panose="020B0502040204020203" pitchFamily="34" charset="0"/>
+                <a:cs typeface="Kalinga" panose="020B0502040204020203" pitchFamily="34" charset="0"/>
+              </a:rPr>
+              <a:t>signal </a:t>
             </a:r>
             <a:r>
               <a:rPr lang="en-US" sz="2000" dirty="0" smtClean="0">
@@ -14576,7 +14577,7 @@
                 <a:latin typeface="Kalinga" panose="020B0502040204020203" pitchFamily="34" charset="0"/>
                 <a:cs typeface="Kalinga" panose="020B0502040204020203" pitchFamily="34" charset="0"/>
               </a:rPr>
-              <a:t> will pass through the baseband LPF</a:t>
+              <a:t>will pass through the baseband LPF</a:t>
             </a:r>
           </a:p>
         </p:txBody>
@@ -14954,7 +14955,15 @@
             </a:r>
             <a:r>
               <a:rPr lang="en-US" dirty="0" smtClean="0"/>
-              <a:t>noise, as apposed to </a:t>
+              <a:t>noise, as </a:t>
+            </a:r>
+            <a:r>
+              <a:rPr lang="en-US" dirty="0" smtClean="0"/>
+              <a:t>opposed </a:t>
+            </a:r>
+            <a:r>
+              <a:rPr lang="en-US" dirty="0" smtClean="0"/>
+              <a:t>to </a:t>
             </a:r>
             <a:r>
               <a:rPr lang="en-US" b="1" dirty="0" smtClean="0"/>

--- a/lectures/lec9/Lec9a-Superhet-DirectConv.pptx
+++ b/lectures/lec9/Lec9a-Superhet-DirectConv.pptx
@@ -14547,20 +14547,10 @@
                 <a:latin typeface="Kalinga" panose="020B0502040204020203" pitchFamily="34" charset="0"/>
                 <a:cs typeface="Kalinga" panose="020B0502040204020203" pitchFamily="34" charset="0"/>
               </a:rPr>
-              <a:t>The </a:t>
-            </a:r>
-            <a:r>
-              <a:rPr lang="en-US" sz="2000" smtClean="0">
-                <a:solidFill>
-                  <a:srgbClr val="C00000"/>
-                </a:solidFill>
-                <a:latin typeface="Kalinga" panose="020B0502040204020203" pitchFamily="34" charset="0"/>
-                <a:cs typeface="Kalinga" panose="020B0502040204020203" pitchFamily="34" charset="0"/>
-              </a:rPr>
-              <a:t>envelop </a:t>
-            </a:r>
-            <a:r>
-              <a:rPr lang="en-US" sz="2000" smtClean="0">
+              <a:t>The envelop </a:t>
+            </a:r>
+            <a:r>
+              <a:rPr lang="en-US" sz="2000" dirty="0" smtClean="0">
                 <a:solidFill>
                   <a:srgbClr val="C00000"/>
                 </a:solidFill>
@@ -17997,12 +17987,8 @@
               <a:t>Receiver </a:t>
             </a:r>
             <a:r>
-              <a:rPr lang="en-US" dirty="0" err="1" smtClean="0"/>
-              <a:t>Arechitecture</a:t>
-            </a:r>
-            <a:r>
               <a:rPr lang="en-US" dirty="0" smtClean="0"/>
-              <a:t> </a:t>
+              <a:t>Architectures </a:t>
             </a:r>
             <a:endParaRPr lang="en-US" dirty="0"/>
           </a:p>

--- a/lectures/lec9/Lec9a-Superhet-DirectConv.pptx
+++ b/lectures/lec9/Lec9a-Superhet-DirectConv.pptx
@@ -323,7 +323,7 @@
             <a:fld id="{F33530C9-BF13-40EE-A1EC-EBBB0134EBBA}" type="datetime1">
               <a:rPr lang="en-US"/>
               <a:pPr/>
-              <a:t>11/20/2015 Friday</a:t>
+              <a:t>10/20/2018</a:t>
             </a:fld>
             <a:endParaRPr lang="en-US"/>
           </a:p>
@@ -541,7 +541,7 @@
             <a:fld id="{7DD20F8F-B3A0-465C-A2C5-4272F8BE0711}" type="datetime1">
               <a:rPr lang="en-US"/>
               <a:pPr/>
-              <a:t>11/20/2015 Friday</a:t>
+              <a:t>10/20/2018</a:t>
             </a:fld>
             <a:endParaRPr lang="en-US"/>
           </a:p>
@@ -940,7 +940,7 @@
             <a:fld id="{7DD20F8F-B3A0-465C-A2C5-4272F8BE0711}" type="datetime1">
               <a:rPr lang="en-US" smtClean="0"/>
               <a:pPr/>
-              <a:t>11/20/2015 Friday</a:t>
+              <a:t>10/20/2018</a:t>
             </a:fld>
             <a:endParaRPr lang="en-US"/>
           </a:p>
@@ -1028,34 +1028,33 @@
           <a:lstStyle/>
           <a:p>
             <a:r>
-              <a:rPr lang="en-US" dirty="0" smtClean="0"/>
+              <a:rPr lang="en-US" dirty="0"/>
               <a:t>What is needed in the receiver front-end?</a:t>
             </a:r>
           </a:p>
           <a:p>
             <a:r>
-              <a:rPr lang="en-US" dirty="0" smtClean="0"/>
+              <a:rPr lang="en-US" dirty="0"/>
               <a:t>• Amplification to compensate for transmission losses</a:t>
             </a:r>
           </a:p>
           <a:p>
             <a:r>
-              <a:rPr lang="en-US" dirty="0" smtClean="0"/>
+              <a:rPr lang="en-US" dirty="0"/>
               <a:t>• Selectivity to separate the desired signal from others</a:t>
             </a:r>
           </a:p>
           <a:p>
             <a:r>
-              <a:rPr lang="en-US" dirty="0" smtClean="0"/>
+              <a:rPr lang="en-US" dirty="0"/>
               <a:t>• Tunability to select the desired signal</a:t>
             </a:r>
           </a:p>
           <a:p>
             <a:r>
-              <a:rPr lang="en-US" dirty="0" smtClean="0"/>
+              <a:rPr lang="en-US" dirty="0"/>
               <a:t>• Conversion to digital domain</a:t>
             </a:r>
-            <a:endParaRPr lang="en-US" dirty="0"/>
           </a:p>
         </p:txBody>
       </p:sp>
@@ -1077,7 +1076,7 @@
             <a:fld id="{7DD20F8F-B3A0-465C-A2C5-4272F8BE0711}" type="datetime1">
               <a:rPr lang="en-US" smtClean="0"/>
               <a:pPr/>
-              <a:t>11/20/2015 Friday</a:t>
+              <a:t>10/20/2018</a:t>
             </a:fld>
             <a:endParaRPr lang="en-US"/>
           </a:p>
@@ -1162,10 +1161,9 @@
           </a:lstStyle>
           <a:p>
             <a:r>
-              <a:rPr lang="en-US" smtClean="0"/>
+              <a:rPr lang="en-US"/>
               <a:t>Click to edit Master title style</a:t>
             </a:r>
-            <a:endParaRPr lang="en-US"/>
           </a:p>
         </p:txBody>
       </p:sp>
@@ -1196,10 +1194,9 @@
           </a:lstStyle>
           <a:p>
             <a:r>
-              <a:rPr lang="en-US" smtClean="0"/>
+              <a:rPr lang="en-US"/>
               <a:t>Click to edit Master subtitle style</a:t>
             </a:r>
-            <a:endParaRPr lang="en-US"/>
           </a:p>
         </p:txBody>
       </p:sp>
@@ -1453,10 +1450,9 @@
           </a:lstStyle>
           <a:p>
             <a:r>
-              <a:rPr lang="en-US" smtClean="0"/>
+              <a:rPr lang="en-US"/>
               <a:t>Click to edit Master title style</a:t>
             </a:r>
-            <a:endParaRPr lang="en-US"/>
           </a:p>
         </p:txBody>
       </p:sp>
@@ -1487,10 +1483,9 @@
           </a:lstStyle>
           <a:p>
             <a:r>
-              <a:rPr lang="en-US" smtClean="0"/>
+              <a:rPr lang="en-US"/>
               <a:t>Click to edit Master subtitle style</a:t>
             </a:r>
-            <a:endParaRPr lang="en-US"/>
           </a:p>
         </p:txBody>
       </p:sp>
@@ -1562,10 +1557,9 @@
           <a:p>
             <a:pPr lvl="0"/>
             <a:r>
-              <a:rPr lang="en-US" dirty="0" smtClean="0"/>
+              <a:rPr lang="en-US" dirty="0"/>
               <a:t>Click to edit Master title</a:t>
             </a:r>
-            <a:endParaRPr lang="en-US" dirty="0"/>
           </a:p>
         </p:txBody>
       </p:sp>
@@ -1684,38 +1678,37 @@
           <a:p>
             <a:pPr lvl="0"/>
             <a:r>
-              <a:rPr lang="en-US" dirty="0" smtClean="0"/>
+              <a:rPr lang="en-US" dirty="0"/>
               <a:t>Click to edit Master text styles</a:t>
             </a:r>
           </a:p>
           <a:p>
             <a:pPr lvl="1"/>
             <a:r>
-              <a:rPr lang="en-US" dirty="0" smtClean="0"/>
+              <a:rPr lang="en-US" dirty="0"/>
               <a:t>Second level</a:t>
             </a:r>
           </a:p>
           <a:p>
             <a:pPr lvl="2"/>
             <a:r>
-              <a:rPr lang="en-US" dirty="0" smtClean="0"/>
+              <a:rPr lang="en-US" dirty="0"/>
               <a:t>Third level</a:t>
             </a:r>
           </a:p>
           <a:p>
             <a:pPr lvl="3"/>
             <a:r>
-              <a:rPr lang="en-US" dirty="0" smtClean="0"/>
+              <a:rPr lang="en-US" dirty="0"/>
               <a:t>Fourth level</a:t>
             </a:r>
           </a:p>
           <a:p>
             <a:pPr lvl="4"/>
             <a:r>
-              <a:rPr lang="en-US" dirty="0" smtClean="0"/>
+              <a:rPr lang="en-US" dirty="0"/>
               <a:t>Fifth level</a:t>
             </a:r>
-            <a:endParaRPr lang="en-US" dirty="0"/>
           </a:p>
         </p:txBody>
       </p:sp>
@@ -1724,13 +1717,6 @@
   <p:clrMapOvr>
     <a:masterClrMapping/>
   </p:clrMapOvr>
-  <p:timing>
-    <p:tnLst>
-      <p:par>
-        <p:cTn id="1" dur="indefinite" restart="never" nodeType="tmRoot"/>
-      </p:par>
-    </p:tnLst>
-  </p:timing>
 </p:sldLayout>
 </file>
 
@@ -1837,7 +1823,7 @@
           </a:lstStyle>
           <a:p>
             <a:pPr lvl="0"/>
-            <a:endParaRPr lang="en-US" dirty="0" smtClean="0"/>
+            <a:endParaRPr lang="en-US" dirty="0"/>
           </a:p>
         </p:txBody>
       </p:sp>
@@ -1911,10 +1897,9 @@
           <a:p>
             <a:pPr lvl="0"/>
             <a:r>
-              <a:rPr lang="en-US" dirty="0" smtClean="0"/>
+              <a:rPr lang="en-US" dirty="0"/>
               <a:t>Click to edit Master title</a:t>
             </a:r>
-            <a:endParaRPr lang="en-US" dirty="0"/>
           </a:p>
         </p:txBody>
       </p:sp>
@@ -1959,7 +1944,7 @@
               <a:buChar char="v"/>
             </a:pPr>
             <a:r>
-              <a:rPr lang="en-US" dirty="0" smtClean="0"/>
+              <a:rPr lang="en-US" dirty="0"/>
               <a:t> Click to edit Master text styles</a:t>
             </a:r>
           </a:p>
@@ -1972,7 +1957,7 @@
               <a:buChar char="Ø"/>
             </a:pPr>
             <a:r>
-              <a:rPr lang="en-US" dirty="0" smtClean="0"/>
+              <a:rPr lang="en-US" dirty="0"/>
               <a:t>Second level</a:t>
             </a:r>
           </a:p>
@@ -1983,7 +1968,7 @@
               </a:lnSpc>
             </a:pPr>
             <a:r>
-              <a:rPr lang="en-US" dirty="0" smtClean="0"/>
+              <a:rPr lang="en-US" dirty="0"/>
               <a:t>Third level</a:t>
             </a:r>
           </a:p>
@@ -1994,7 +1979,7 @@
               </a:lnSpc>
             </a:pPr>
             <a:r>
-              <a:rPr lang="en-US" dirty="0" smtClean="0"/>
+              <a:rPr lang="en-US" dirty="0"/>
               <a:t>Fourth level</a:t>
             </a:r>
           </a:p>
@@ -2005,10 +1990,9 @@
               </a:lnSpc>
             </a:pPr>
             <a:r>
-              <a:rPr lang="en-US" dirty="0" smtClean="0"/>
+              <a:rPr lang="en-US" dirty="0"/>
               <a:t>Fifth level</a:t>
             </a:r>
-            <a:endParaRPr lang="en-US" dirty="0"/>
           </a:p>
         </p:txBody>
       </p:sp>
@@ -2095,13 +2079,6 @@
     <p:sldLayoutId id="2147483650" r:id="rId3"/>
     <p:sldLayoutId id="2147483651" r:id="rId4"/>
   </p:sldLayoutIdLst>
-  <p:timing>
-    <p:tnLst>
-      <p:par>
-        <p:cTn id="1" dur="indefinite" restart="never" nodeType="tmRoot"/>
-      </p:par>
-    </p:tnLst>
-  </p:timing>
   <p:hf hdr="0" ftr="0" dt="0"/>
   <p:txStyles>
     <p:titleStyle>
@@ -2546,7 +2523,7 @@
           <a:lstStyle/>
           <a:p>
             <a:r>
-              <a:rPr lang="en-US" sz="2000" dirty="0">
+              <a:rPr lang="en-US" altLang="zh-CN" sz="2000" dirty="0">
                 <a:solidFill>
                   <a:schemeClr val="bg1"/>
                 </a:solidFill>
@@ -2557,7 +2534,7 @@
             </a:r>
           </a:p>
           <a:p>
-            <a:endParaRPr lang="en-US" sz="500" dirty="0">
+            <a:endParaRPr lang="en-US" altLang="zh-CN" sz="500" dirty="0">
               <a:solidFill>
                 <a:schemeClr val="bg1"/>
               </a:solidFill>
@@ -2567,18 +2544,18 @@
           </a:p>
           <a:p>
             <a:r>
-              <a:rPr lang="en-US" sz="2000" dirty="0">
+              <a:rPr lang="en-US" altLang="zh-CN" sz="2000" dirty="0">
                 <a:solidFill>
                   <a:schemeClr val="bg1"/>
                 </a:solidFill>
                 <a:latin typeface="Kalinga" panose="020B0502040204020203" pitchFamily="34" charset="0"/>
                 <a:cs typeface="Kalinga" panose="020B0502040204020203" pitchFamily="34" charset="0"/>
               </a:rPr>
-              <a:t>Assistant Professor</a:t>
-            </a:r>
-          </a:p>
-          <a:p>
-            <a:endParaRPr lang="en-US" sz="500" dirty="0">
+              <a:t>Associate Professor</a:t>
+            </a:r>
+          </a:p>
+          <a:p>
+            <a:endParaRPr lang="en-US" altLang="zh-CN" sz="500" dirty="0">
               <a:solidFill>
                 <a:schemeClr val="bg1"/>
               </a:solidFill>
@@ -2588,7 +2565,7 @@
           </a:p>
           <a:p>
             <a:r>
-              <a:rPr lang="en-US" sz="2000" dirty="0">
+              <a:rPr lang="en-US" altLang="zh-CN" sz="2000" dirty="0">
                 <a:solidFill>
                   <a:schemeClr val="bg1"/>
                 </a:solidFill>
@@ -2599,7 +2576,7 @@
             </a:r>
           </a:p>
           <a:p>
-            <a:endParaRPr lang="en-US" sz="500" dirty="0">
+            <a:endParaRPr lang="en-US" altLang="zh-CN" sz="500" dirty="0">
               <a:solidFill>
                 <a:schemeClr val="bg1"/>
               </a:solidFill>
@@ -2608,7 +2585,7 @@
             </a:endParaRPr>
           </a:p>
           <a:p>
-            <a:endParaRPr lang="en-US" sz="500" dirty="0">
+            <a:endParaRPr lang="en-US" altLang="zh-CN" sz="500" dirty="0">
               <a:solidFill>
                 <a:schemeClr val="bg1"/>
               </a:solidFill>
@@ -2618,35 +2595,18 @@
           </a:p>
           <a:p>
             <a:r>
-              <a:rPr lang="en-US" sz="2000" dirty="0">
+              <a:rPr lang="en-US" altLang="zh-CN" sz="2000" dirty="0">
                 <a:solidFill>
                   <a:schemeClr val="bg1"/>
                 </a:solidFill>
                 <a:latin typeface="Kalinga" panose="020B0502040204020203" pitchFamily="34" charset="0"/>
                 <a:cs typeface="Kalinga" panose="020B0502040204020203" pitchFamily="34" charset="0"/>
               </a:rPr>
-              <a:t>Tel: </a:t>
-            </a:r>
-            <a:r>
-              <a:rPr lang="en-US" sz="2000" dirty="0" smtClean="0">
-                <a:solidFill>
-                  <a:schemeClr val="bg1"/>
-                </a:solidFill>
-                <a:latin typeface="Kalinga" panose="020B0502040204020203" pitchFamily="34" charset="0"/>
-                <a:cs typeface="Kalinga" panose="020B0502040204020203" pitchFamily="34" charset="0"/>
-              </a:rPr>
-              <a:t>530-289-6367</a:t>
-            </a:r>
-            <a:endParaRPr lang="en-US" sz="2000" dirty="0">
-              <a:solidFill>
-                <a:schemeClr val="bg1"/>
-              </a:solidFill>
-              <a:latin typeface="Kalinga" panose="020B0502040204020203" pitchFamily="34" charset="0"/>
-              <a:cs typeface="Kalinga" panose="020B0502040204020203" pitchFamily="34" charset="0"/>
-            </a:endParaRPr>
-          </a:p>
-          <a:p>
-            <a:endParaRPr lang="en-US" sz="500" dirty="0">
+              <a:t>Tel: 530-289-6367</a:t>
+            </a:r>
+          </a:p>
+          <a:p>
+            <a:endParaRPr lang="en-US" altLang="zh-CN" sz="500" dirty="0">
               <a:solidFill>
                 <a:schemeClr val="bg1">
                   <a:lumMod val="75000"/>
@@ -2659,7 +2619,7 @@
           </a:p>
           <a:p>
             <a:r>
-              <a:rPr lang="en-US" sz="2000" dirty="0">
+              <a:rPr lang="en-US" altLang="zh-CN" sz="2000" dirty="0">
                 <a:solidFill>
                   <a:schemeClr val="bg1">
                     <a:lumMod val="75000"/>
@@ -2672,7 +2632,7 @@
               </a:rPr>
               <a:t>lxgliu@ucdavis.edu</a:t>
             </a:r>
-            <a:endParaRPr lang="en-US" sz="2000" dirty="0">
+            <a:endParaRPr lang="en-US" altLang="zh-CN" sz="2000" dirty="0">
               <a:solidFill>
                 <a:schemeClr val="bg1">
                   <a:lumMod val="75000"/>
@@ -2685,7 +2645,7 @@
           </a:p>
           <a:p>
             <a:r>
-              <a:rPr lang="en-US" sz="2000" dirty="0">
+              <a:rPr lang="en-US" altLang="zh-CN" sz="2000">
                 <a:solidFill>
                   <a:schemeClr val="bg1">
                     <a:lumMod val="75000"/>
@@ -2696,9 +2656,9 @@
                 <a:cs typeface="Kalinga" panose="020B0502040204020203" pitchFamily="34" charset="0"/>
                 <a:hlinkClick r:id="rId4"/>
               </a:rPr>
-              <a:t>http://ucdart.net</a:t>
-            </a:r>
-            <a:endParaRPr lang="en-US" sz="2000" dirty="0">
+              <a:t>http://dart.ece.ucdavis.edu</a:t>
+            </a:r>
+            <a:endParaRPr lang="en-US" altLang="zh-CN" sz="2000">
               <a:solidFill>
                 <a:schemeClr val="bg1">
                   <a:lumMod val="75000"/>
@@ -2743,14 +2703,11 @@
           <a:lstStyle/>
           <a:p>
             <a:r>
-              <a:rPr lang="en-US" dirty="0" smtClean="0">
+              <a:rPr lang="en-US" dirty="0">
                 <a:latin typeface="Franklin Gothic Demi" panose="020B0703020102020204" pitchFamily="34" charset="0"/>
               </a:rPr>
               <a:t>Design of RF &amp; Microwave Systems</a:t>
             </a:r>
-            <a:endParaRPr lang="en-US" dirty="0">
-              <a:latin typeface="Franklin Gothic Demi" panose="020B0703020102020204" pitchFamily="34" charset="0"/>
-            </a:endParaRPr>
           </a:p>
         </p:txBody>
       </p:sp>
@@ -2775,18 +2732,13 @@
           <a:lstStyle/>
           <a:p>
             <a:r>
-              <a:rPr lang="en-US" sz="2400" b="1" dirty="0" smtClean="0">
+              <a:rPr lang="en-US" sz="2400" b="1" dirty="0">
                 <a:solidFill>
                   <a:srgbClr val="BF9900"/>
                 </a:solidFill>
               </a:rPr>
               <a:t>EEC 134 A&amp;B</a:t>
             </a:r>
-            <a:endParaRPr lang="en-US" sz="2400" b="1" dirty="0">
-              <a:solidFill>
-                <a:srgbClr val="BF9900"/>
-              </a:solidFill>
-            </a:endParaRPr>
           </a:p>
         </p:txBody>
       </p:sp>
@@ -2827,16 +2779,7 @@
                 </a:solidFill>
                 <a:latin typeface="Myriad Pro" panose="020B0503030403020204" pitchFamily="34" charset="0"/>
               </a:rPr>
-              <a:t>Lecture 9</a:t>
-            </a:r>
-            <a:r>
-              <a:rPr lang="en-US" sz="3200" dirty="0" smtClean="0">
-                <a:solidFill>
-                  <a:srgbClr val="091D58"/>
-                </a:solidFill>
-                <a:latin typeface="Myriad Pro" panose="020B0503030403020204" pitchFamily="34" charset="0"/>
-              </a:rPr>
-              <a:t>: System Concepts </a:t>
+              <a:t>Lecture 9: System Concepts </a:t>
             </a:r>
           </a:p>
           <a:p>
@@ -2847,23 +2790,8 @@
                 </a:solidFill>
                 <a:latin typeface="Myriad Pro" panose="020B0503030403020204" pitchFamily="34" charset="0"/>
               </a:rPr>
-              <a:t>	</a:t>
-            </a:r>
-            <a:r>
-              <a:rPr lang="en-US" sz="3200" dirty="0" smtClean="0">
-                <a:solidFill>
-                  <a:srgbClr val="091D58"/>
-                </a:solidFill>
-                <a:latin typeface="Myriad Pro" panose="020B0503030403020204" pitchFamily="34" charset="0"/>
-              </a:rPr>
-              <a:t>	– Receiver Architecture</a:t>
-            </a:r>
-            <a:endParaRPr lang="en-US" sz="3200" dirty="0">
-              <a:solidFill>
-                <a:srgbClr val="091D58"/>
-              </a:solidFill>
-              <a:latin typeface="Myriad Pro" panose="020B0503030403020204" pitchFamily="34" charset="0"/>
-            </a:endParaRPr>
+              <a:t>		– Receiver Architecture</a:t>
+            </a:r>
           </a:p>
         </p:txBody>
       </p:sp>
@@ -2872,13 +2800,6 @@
   <p:clrMapOvr>
     <a:masterClrMapping/>
   </p:clrMapOvr>
-  <p:timing>
-    <p:tnLst>
-      <p:par>
-        <p:cTn id="1" dur="indefinite" restart="never" nodeType="tmRoot"/>
-      </p:par>
-    </p:tnLst>
-  </p:timing>
 </p:sld>
 </file>
 
@@ -2915,19 +2836,19 @@
           <a:lstStyle/>
           <a:p>
             <a:r>
-              <a:rPr lang="en-US" dirty="0" err="1" smtClean="0"/>
+              <a:rPr lang="en-US" dirty="0" err="1"/>
               <a:t>Superheterodyne</a:t>
             </a:r>
             <a:r>
-              <a:rPr lang="en-US" dirty="0" smtClean="0"/>
+              <a:rPr lang="en-US" dirty="0"/>
               <a:t> (</a:t>
             </a:r>
             <a:r>
-              <a:rPr lang="en-US" dirty="0" err="1" smtClean="0"/>
+              <a:rPr lang="en-US" dirty="0" err="1"/>
               <a:t>SuperHet</a:t>
             </a:r>
             <a:r>
-              <a:rPr lang="en-US" smtClean="0"/>
+              <a:rPr lang="en-US"/>
               <a:t>) Receiver</a:t>
             </a:r>
             <a:endParaRPr lang="en-US" dirty="0"/>
@@ -2955,45 +2876,44 @@
           <a:lstStyle/>
           <a:p>
             <a:r>
-              <a:rPr lang="en-US" dirty="0" smtClean="0"/>
+              <a:rPr lang="en-US" dirty="0"/>
               <a:t>Moves RF frequency to an intermediate frequency (IF) before further processing</a:t>
             </a:r>
           </a:p>
           <a:p>
             <a:pPr lvl="1"/>
             <a:r>
-              <a:rPr lang="en-US" dirty="0" smtClean="0"/>
+              <a:rPr lang="en-US" dirty="0"/>
               <a:t>Easier to amplify the signals at lower frequency</a:t>
             </a:r>
           </a:p>
           <a:p>
             <a:pPr lvl="1"/>
             <a:r>
-              <a:rPr lang="en-US" dirty="0" smtClean="0"/>
+              <a:rPr lang="en-US" dirty="0"/>
               <a:t>Can distribute system gain at different frequencies to prevent oscillation</a:t>
             </a:r>
           </a:p>
           <a:p>
             <a:pPr lvl="1"/>
             <a:r>
-              <a:rPr lang="en-US" dirty="0" smtClean="0"/>
+              <a:rPr lang="en-US" dirty="0"/>
               <a:t>Selecting the channel is easier at lower frequency</a:t>
             </a:r>
           </a:p>
           <a:p>
             <a:pPr lvl="1"/>
             <a:r>
-              <a:rPr lang="en-US" dirty="0" smtClean="0"/>
+              <a:rPr lang="en-US" dirty="0"/>
               <a:t>A common architecture is to sweep the LO frequency to accommodate a band of RF signals</a:t>
             </a:r>
           </a:p>
           <a:p>
             <a:pPr lvl="1"/>
             <a:r>
-              <a:rPr lang="en-US" dirty="0" smtClean="0"/>
+              <a:rPr lang="en-US" dirty="0"/>
               <a:t>Note that it is possible to use an LO frequency higher than the RF</a:t>
             </a:r>
-            <a:endParaRPr lang="en-US" dirty="0"/>
           </a:p>
         </p:txBody>
       </p:sp>
@@ -3031,13 +2951,6 @@
   <p:clrMapOvr>
     <a:masterClrMapping/>
   </p:clrMapOvr>
-  <p:timing>
-    <p:tnLst>
-      <p:par>
-        <p:cTn id="1" dur="indefinite" restart="never" nodeType="tmRoot"/>
-      </p:par>
-    </p:tnLst>
-  </p:timing>
 </p:sld>
 </file>
 
@@ -3074,7 +2987,7 @@
           <a:lstStyle/>
           <a:p>
             <a:r>
-              <a:rPr lang="en-US" dirty="0" err="1" smtClean="0"/>
+              <a:rPr lang="en-US" dirty="0" err="1"/>
               <a:t>SuperHet</a:t>
             </a:r>
             <a:endParaRPr lang="en-US" dirty="0"/>
@@ -3102,41 +3015,41 @@
           <a:lstStyle/>
           <a:p>
             <a:r>
-              <a:rPr lang="en-US" dirty="0" smtClean="0"/>
+              <a:rPr lang="en-US" dirty="0"/>
               <a:t>RF filter is only capable for band selection</a:t>
             </a:r>
           </a:p>
           <a:p>
             <a:pPr lvl="1"/>
             <a:r>
-              <a:rPr lang="en-US" dirty="0" smtClean="0"/>
+              <a:rPr lang="en-US" dirty="0"/>
               <a:t>Generally fixed in frequency (tunable RF filters with sufficient high Q is extremely, if not impossible, to make)</a:t>
             </a:r>
           </a:p>
           <a:p>
             <a:r>
-              <a:rPr lang="en-US" dirty="0" smtClean="0"/>
+              <a:rPr lang="en-US" dirty="0"/>
               <a:t>Channel selection happens at the IF frequency, where very narrowband filter are possible</a:t>
             </a:r>
           </a:p>
           <a:p>
             <a:pPr lvl="1"/>
             <a:r>
-              <a:rPr lang="en-US" dirty="0" smtClean="0"/>
+              <a:rPr lang="en-US" dirty="0"/>
               <a:t>Consider the following: 1 MHz bandwidth is 0.1% at 1 GHz but 10% at 10 MHz</a:t>
             </a:r>
           </a:p>
           <a:p>
             <a:pPr lvl="1"/>
             <a:r>
-              <a:rPr lang="en-US" dirty="0" smtClean="0"/>
+              <a:rPr lang="en-US" dirty="0"/>
               <a:t>Components have much higher Q at lower frequencies</a:t>
             </a:r>
           </a:p>
           <a:p>
             <a:pPr lvl="1"/>
             <a:r>
-              <a:rPr lang="en-US" dirty="0" smtClean="0"/>
+              <a:rPr lang="en-US" dirty="0"/>
               <a:t>Generally a low IF makes it easier to do channel selection; but a low IF also make the image very close to the actual signal; making it hard to filter</a:t>
             </a:r>
           </a:p>
@@ -3204,13 +3117,6 @@
   <p:clrMapOvr>
     <a:masterClrMapping/>
   </p:clrMapOvr>
-  <p:timing>
-    <p:tnLst>
-      <p:par>
-        <p:cTn id="1" dur="indefinite" restart="never" nodeType="tmRoot"/>
-      </p:par>
-    </p:tnLst>
-  </p:timing>
 </p:sld>
 </file>
 
@@ -3247,14 +3153,13 @@
           <a:lstStyle/>
           <a:p>
             <a:r>
-              <a:rPr lang="en-US" dirty="0" err="1" smtClean="0"/>
+              <a:rPr lang="en-US" dirty="0" err="1"/>
               <a:t>SuperHet</a:t>
             </a:r>
             <a:r>
-              <a:rPr lang="en-US" dirty="0" smtClean="0"/>
+              <a:rPr lang="en-US" dirty="0"/>
               <a:t> – Image Problem</a:t>
             </a:r>
-            <a:endParaRPr lang="en-US" dirty="0"/>
           </a:p>
         </p:txBody>
       </p:sp>
@@ -3274,40 +3179,39 @@
           <a:lstStyle/>
           <a:p>
             <a:r>
-              <a:rPr lang="en-US" dirty="0" smtClean="0"/>
+              <a:rPr lang="en-US" dirty="0"/>
               <a:t>Image reject mixer will help to a certain extent</a:t>
             </a:r>
           </a:p>
           <a:p>
             <a:pPr lvl="1"/>
             <a:r>
-              <a:rPr lang="en-US" dirty="0" smtClean="0"/>
+              <a:rPr lang="en-US" dirty="0"/>
               <a:t>Common image reject mixers have image rejection ratio of 25-40 dB; may not be enough for a high power (&gt; 60 </a:t>
             </a:r>
             <a:r>
-              <a:rPr lang="en-US" dirty="0" err="1" smtClean="0"/>
+              <a:rPr lang="en-US" dirty="0" err="1"/>
               <a:t>dBc</a:t>
             </a:r>
             <a:r>
-              <a:rPr lang="en-US" dirty="0" smtClean="0"/>
+              <a:rPr lang="en-US" dirty="0"/>
               <a:t>) interferer at the image frequency</a:t>
             </a:r>
           </a:p>
           <a:p>
             <a:pPr lvl="1"/>
             <a:r>
-              <a:rPr lang="en-US" dirty="0" smtClean="0"/>
+              <a:rPr lang="en-US" dirty="0"/>
               <a:t>Front-end filter (before the LNA) or an image reject filter (after </a:t>
             </a:r>
             <a:r>
-              <a:rPr lang="en-US" smtClean="0"/>
+              <a:rPr lang="en-US"/>
               <a:t>the LNA, </a:t>
             </a:r>
             <a:r>
-              <a:rPr lang="en-US" dirty="0" smtClean="0"/>
+              <a:rPr lang="en-US" dirty="0"/>
               <a:t>could be low pass or bandpass) may be needed</a:t>
             </a:r>
-            <a:endParaRPr lang="en-US" dirty="0"/>
           </a:p>
         </p:txBody>
       </p:sp>
@@ -3358,7 +3262,7 @@
           <a:lstStyle/>
           <a:p>
             <a:r>
-              <a:rPr lang="en-US" sz="800" dirty="0" smtClean="0">
+              <a:rPr lang="en-US" sz="800" dirty="0">
                 <a:solidFill>
                   <a:srgbClr val="000000"/>
                 </a:solidFill>
@@ -3368,7 +3272,7 @@
               <a:t>B. </a:t>
             </a:r>
             <a:r>
-              <a:rPr lang="en-US" sz="800" dirty="0" err="1" smtClean="0">
+              <a:rPr lang="en-US" sz="800" dirty="0" err="1">
                 <a:solidFill>
                   <a:srgbClr val="000000"/>
                 </a:solidFill>
@@ -3378,7 +3282,7 @@
               <a:t>Razavi</a:t>
             </a:r>
             <a:r>
-              <a:rPr lang="en-US" sz="800" dirty="0" smtClean="0">
+              <a:rPr lang="en-US" sz="800" dirty="0">
                 <a:solidFill>
                   <a:srgbClr val="000000"/>
                 </a:solidFill>
@@ -3400,13 +3304,6 @@
   <p:clrMapOvr>
     <a:masterClrMapping/>
   </p:clrMapOvr>
-  <p:timing>
-    <p:tnLst>
-      <p:par>
-        <p:cTn id="1" dur="indefinite" restart="never" nodeType="tmRoot"/>
-      </p:par>
-    </p:tnLst>
-  </p:timing>
 </p:sld>
 </file>
 
@@ -3443,15 +3340,15 @@
           <a:lstStyle/>
           <a:p>
             <a:r>
-              <a:rPr lang="en-US" dirty="0" err="1" smtClean="0"/>
+              <a:rPr lang="en-US" dirty="0" err="1"/>
               <a:t>SuperHet</a:t>
             </a:r>
             <a:r>
-              <a:rPr lang="en-US" dirty="0" smtClean="0"/>
+              <a:rPr lang="en-US" dirty="0"/>
               <a:t> – Dual </a:t>
             </a:r>
             <a:r>
-              <a:rPr lang="en-US" dirty="0" err="1" smtClean="0"/>
+              <a:rPr lang="en-US" dirty="0" err="1"/>
               <a:t>Downconversion</a:t>
             </a:r>
             <a:endParaRPr lang="en-US" dirty="0"/>
@@ -3481,42 +3378,42 @@
               <a:lstStyle/>
               <a:p>
                 <a:r>
-                  <a:rPr lang="en-US" dirty="0" smtClean="0"/>
+                  <a:rPr lang="en-US" dirty="0"/>
                   <a:t>It is possible to use more than one IF frequency</a:t>
                 </a:r>
               </a:p>
               <a:p>
                 <a:pPr lvl="1"/>
                 <a:r>
-                  <a:rPr lang="en-US" dirty="0" smtClean="0"/>
+                  <a:rPr lang="en-US" dirty="0"/>
                   <a:t>Better selectivity </a:t>
                 </a:r>
               </a:p>
               <a:p>
                 <a:pPr lvl="1"/>
                 <a:r>
-                  <a:rPr lang="en-US" dirty="0" smtClean="0"/>
+                  <a:rPr lang="en-US" dirty="0"/>
                   <a:t>Better distribution of gain</a:t>
                 </a:r>
               </a:p>
               <a:p>
                 <a:pPr lvl="1"/>
                 <a:r>
-                  <a:rPr lang="en-US" dirty="0" smtClean="0"/>
+                  <a:rPr lang="en-US" dirty="0"/>
                   <a:t>Usually result in high sensitivity and dynamic range</a:t>
                 </a:r>
               </a:p>
               <a:p>
                 <a:pPr lvl="1"/>
                 <a:r>
-                  <a:rPr lang="en-US" dirty="0" smtClean="0"/>
+                  <a:rPr lang="en-US" dirty="0"/>
                   <a:t>More complex</a:t>
                 </a:r>
               </a:p>
               <a:p>
                 <a:pPr lvl="1"/>
                 <a:r>
-                  <a:rPr lang="en-US" dirty="0" smtClean="0"/>
+                  <a:rPr lang="en-US" dirty="0"/>
                   <a:t>Mixer spurs; recall that each mixing operation creates </a:t>
                 </a:r>
                 <a14:m>
@@ -3597,21 +3494,21 @@
                   </m:oMath>
                 </a14:m>
                 <a:r>
-                  <a:rPr lang="en-US" dirty="0" smtClean="0"/>
+                  <a:rPr lang="en-US" dirty="0"/>
                   <a:t> frequency components</a:t>
                 </a:r>
               </a:p>
               <a:p>
                 <a:pPr lvl="1"/>
                 <a:r>
-                  <a:rPr lang="en-US" dirty="0" smtClean="0"/>
+                  <a:rPr lang="en-US" dirty="0"/>
                   <a:t>Frequency plan needs to be carefully considered</a:t>
                 </a:r>
               </a:p>
               <a:p>
                 <a:pPr lvl="1"/>
                 <a:r>
-                  <a:rPr lang="en-US" dirty="0" smtClean="0"/>
+                  <a:rPr lang="en-US" dirty="0"/>
                   <a:t>Requires more components, thus expensive</a:t>
                 </a:r>
               </a:p>
@@ -3703,7 +3600,7 @@
           <a:lstStyle/>
           <a:p>
             <a:r>
-              <a:rPr lang="en-US" sz="800" dirty="0" smtClean="0">
+              <a:rPr lang="en-US" sz="800" dirty="0">
                 <a:solidFill>
                   <a:srgbClr val="000000"/>
                 </a:solidFill>
@@ -3713,7 +3610,7 @@
               <a:t>B. </a:t>
             </a:r>
             <a:r>
-              <a:rPr lang="en-US" sz="800" dirty="0" err="1" smtClean="0">
+              <a:rPr lang="en-US" sz="800" dirty="0" err="1">
                 <a:solidFill>
                   <a:srgbClr val="000000"/>
                 </a:solidFill>
@@ -3723,7 +3620,7 @@
               <a:t>Razavi</a:t>
             </a:r>
             <a:r>
-              <a:rPr lang="en-US" sz="800" dirty="0" smtClean="0">
+              <a:rPr lang="en-US" sz="800" dirty="0">
                 <a:solidFill>
                   <a:srgbClr val="000000"/>
                 </a:solidFill>
@@ -3745,13 +3642,6 @@
   <p:clrMapOvr>
     <a:masterClrMapping/>
   </p:clrMapOvr>
-  <p:timing>
-    <p:tnLst>
-      <p:par>
-        <p:cTn id="1" dur="indefinite" restart="never" nodeType="tmRoot"/>
-      </p:par>
-    </p:tnLst>
-  </p:timing>
 </p:sld>
 </file>
 
@@ -3788,11 +3678,11 @@
           <a:lstStyle/>
           <a:p>
             <a:r>
-              <a:rPr lang="en-US" dirty="0" smtClean="0"/>
+              <a:rPr lang="en-US" dirty="0"/>
               <a:t>Up-Conversion </a:t>
             </a:r>
             <a:r>
-              <a:rPr lang="en-US" dirty="0" err="1" smtClean="0"/>
+              <a:rPr lang="en-US" dirty="0" err="1"/>
               <a:t>SuperHet</a:t>
             </a:r>
             <a:endParaRPr lang="en-US" dirty="0"/>
@@ -3820,28 +3710,28 @@
           <a:lstStyle/>
           <a:p>
             <a:r>
-              <a:rPr lang="en-US" dirty="0" smtClean="0"/>
+              <a:rPr lang="en-US" dirty="0"/>
               <a:t>It is also possible to use an IF higher than the RF</a:t>
             </a:r>
           </a:p>
           <a:p>
             <a:pPr lvl="1"/>
             <a:r>
-              <a:rPr lang="en-US" dirty="0" smtClean="0"/>
+              <a:rPr lang="en-US" dirty="0"/>
               <a:t>Seems counterintuitive: isn’t circuit design easier at low frequencies?</a:t>
             </a:r>
           </a:p>
           <a:p>
             <a:pPr lvl="1"/>
             <a:r>
-              <a:rPr lang="en-US" dirty="0" smtClean="0"/>
+              <a:rPr lang="en-US" dirty="0"/>
               <a:t>Image problem is greatly alleviated!!</a:t>
             </a:r>
           </a:p>
           <a:p>
             <a:pPr lvl="1"/>
             <a:r>
-              <a:rPr lang="en-US" dirty="0" smtClean="0"/>
+              <a:rPr lang="en-US" dirty="0"/>
               <a:t>Usually only the first stage is up-conversion</a:t>
             </a:r>
           </a:p>
@@ -5670,7 +5560,7 @@
           <a:lstStyle/>
           <a:p>
             <a:r>
-              <a:rPr lang="en-US" sz="2000" dirty="0" smtClean="0">
+              <a:rPr lang="en-US" sz="2000" dirty="0">
                 <a:solidFill>
                   <a:srgbClr val="0070C0"/>
                 </a:solidFill>
@@ -5705,7 +5595,7 @@
           <a:lstStyle/>
           <a:p>
             <a:r>
-              <a:rPr lang="en-US" sz="2000" dirty="0" smtClean="0">
+              <a:rPr lang="en-US" sz="2000" dirty="0">
                 <a:solidFill>
                   <a:srgbClr val="0070C0"/>
                 </a:solidFill>
@@ -5843,7 +5733,7 @@
             <a:lstStyle/>
             <a:p>
               <a:r>
-                <a:rPr lang="en-US" sz="2000" dirty="0" smtClean="0">
+                <a:rPr lang="en-US" sz="2000" dirty="0">
                   <a:solidFill>
                     <a:srgbClr val="C00000"/>
                   </a:solidFill>
@@ -5853,7 +5743,7 @@
                 <a:t>Image </a:t>
               </a:r>
               <a:r>
-                <a:rPr lang="en-US" sz="2000" smtClean="0">
+                <a:rPr lang="en-US" sz="2000">
                   <a:solidFill>
                     <a:srgbClr val="C00000"/>
                   </a:solidFill>
@@ -5862,7 +5752,7 @@
                 </a:rPr>
                 <a:t>Reject Filter</a:t>
               </a:r>
-              <a:endParaRPr lang="en-US" sz="2000" dirty="0" smtClean="0">
+              <a:endParaRPr lang="en-US" sz="2000" dirty="0">
                 <a:solidFill>
                   <a:srgbClr val="C00000"/>
                 </a:solidFill>
@@ -5999,7 +5889,7 @@
             <a:lstStyle/>
             <a:p>
               <a:r>
-                <a:rPr lang="en-US" sz="2000" dirty="0" smtClean="0">
+                <a:rPr lang="en-US" sz="2000" dirty="0">
                   <a:solidFill>
                     <a:srgbClr val="C00000"/>
                   </a:solidFill>
@@ -6538,10 +6428,9 @@
           <a:lstStyle/>
           <a:p>
             <a:r>
-              <a:rPr lang="en-US" dirty="0" smtClean="0"/>
+              <a:rPr lang="en-US" dirty="0"/>
               <a:t>Example: A Spectrum Analyzer</a:t>
             </a:r>
-            <a:endParaRPr lang="en-US" dirty="0"/>
           </a:p>
         </p:txBody>
       </p:sp>
@@ -6561,10 +6450,9 @@
           <a:lstStyle/>
           <a:p>
             <a:r>
-              <a:rPr lang="en-US" dirty="0" smtClean="0"/>
+              <a:rPr lang="en-US" dirty="0"/>
               <a:t>Many spectrum analyzers use a high IF for their first stage</a:t>
             </a:r>
-            <a:endParaRPr lang="en-US" dirty="0"/>
           </a:p>
         </p:txBody>
       </p:sp>
@@ -6639,7 +6527,7 @@
           <a:lstStyle/>
           <a:p>
             <a:r>
-              <a:rPr lang="en-US" sz="1600" dirty="0" smtClean="0">
+              <a:rPr lang="en-US" sz="1600" dirty="0">
                 <a:solidFill>
                   <a:srgbClr val="C00000"/>
                 </a:solidFill>
@@ -6651,7 +6539,7 @@
           </a:p>
           <a:p>
             <a:r>
-              <a:rPr lang="en-US" sz="1600" dirty="0" smtClean="0">
+              <a:rPr lang="en-US" sz="1600" dirty="0">
                 <a:solidFill>
                   <a:srgbClr val="C00000"/>
                 </a:solidFill>
@@ -6693,7 +6581,7 @@
           <a:lstStyle/>
           <a:p>
             <a:r>
-              <a:rPr lang="en-US" sz="1600" dirty="0" smtClean="0">
+              <a:rPr lang="en-US" sz="1600" dirty="0">
                 <a:solidFill>
                   <a:srgbClr val="C00000"/>
                 </a:solidFill>
@@ -6705,7 +6593,7 @@
           </a:p>
           <a:p>
             <a:r>
-              <a:rPr lang="en-US" sz="1600" dirty="0" smtClean="0">
+              <a:rPr lang="en-US" sz="1600" dirty="0">
                 <a:solidFill>
                   <a:srgbClr val="C00000"/>
                 </a:solidFill>
@@ -6747,7 +6635,7 @@
           <a:lstStyle/>
           <a:p>
             <a:r>
-              <a:rPr lang="en-US" sz="1600" dirty="0" smtClean="0">
+              <a:rPr lang="en-US" sz="1600" dirty="0">
                 <a:solidFill>
                   <a:srgbClr val="C00000"/>
                 </a:solidFill>
@@ -6759,7 +6647,7 @@
           </a:p>
           <a:p>
             <a:r>
-              <a:rPr lang="en-US" sz="1600" dirty="0" smtClean="0">
+              <a:rPr lang="en-US" sz="1600" dirty="0">
                 <a:solidFill>
                   <a:srgbClr val="C00000"/>
                 </a:solidFill>
@@ -6801,7 +6689,7 @@
           <a:lstStyle/>
           <a:p>
             <a:r>
-              <a:rPr lang="en-US" sz="1600" dirty="0" smtClean="0">
+              <a:rPr lang="en-US" sz="1600" dirty="0">
                 <a:solidFill>
                   <a:srgbClr val="C00000"/>
                 </a:solidFill>
@@ -6813,7 +6701,7 @@
           </a:p>
           <a:p>
             <a:r>
-              <a:rPr lang="en-US" sz="1600" dirty="0" smtClean="0">
+              <a:rPr lang="en-US" sz="1600" dirty="0">
                 <a:solidFill>
                   <a:srgbClr val="C00000"/>
                 </a:solidFill>
@@ -6855,7 +6743,7 @@
           <a:lstStyle/>
           <a:p>
             <a:r>
-              <a:rPr lang="en-US" sz="1600" dirty="0" smtClean="0">
+              <a:rPr lang="en-US" sz="1600" dirty="0">
                 <a:solidFill>
                   <a:srgbClr val="C00000"/>
                 </a:solidFill>
@@ -6867,7 +6755,7 @@
           </a:p>
           <a:p>
             <a:r>
-              <a:rPr lang="en-US" sz="1600" dirty="0" smtClean="0">
+              <a:rPr lang="en-US" sz="1600" dirty="0">
                 <a:solidFill>
                   <a:srgbClr val="C00000"/>
                 </a:solidFill>
@@ -6909,7 +6797,7 @@
           <a:lstStyle/>
           <a:p>
             <a:r>
-              <a:rPr lang="en-US" sz="1600" dirty="0" smtClean="0">
+              <a:rPr lang="en-US" sz="1600" dirty="0">
                 <a:solidFill>
                   <a:srgbClr val="C00000"/>
                 </a:solidFill>
@@ -6921,7 +6809,7 @@
           </a:p>
           <a:p>
             <a:r>
-              <a:rPr lang="en-US" sz="1600" dirty="0" smtClean="0">
+              <a:rPr lang="en-US" sz="1600" dirty="0">
                 <a:solidFill>
                   <a:srgbClr val="C00000"/>
                 </a:solidFill>
@@ -6963,7 +6851,7 @@
           <a:lstStyle/>
           <a:p>
             <a:r>
-              <a:rPr lang="en-US" sz="1600" dirty="0" smtClean="0">
+              <a:rPr lang="en-US" sz="1600" dirty="0">
                 <a:solidFill>
                   <a:srgbClr val="C00000"/>
                 </a:solidFill>
@@ -6975,7 +6863,7 @@
           </a:p>
           <a:p>
             <a:r>
-              <a:rPr lang="en-US" sz="1600" dirty="0" smtClean="0">
+              <a:rPr lang="en-US" sz="1600" dirty="0">
                 <a:solidFill>
                   <a:srgbClr val="C00000"/>
                 </a:solidFill>
@@ -7373,10 +7261,9 @@
           <a:lstStyle/>
           <a:p>
             <a:r>
-              <a:rPr lang="en-US" dirty="0" smtClean="0"/>
+              <a:rPr lang="en-US" dirty="0"/>
               <a:t>Direct Conversion Receiver</a:t>
             </a:r>
-            <a:endParaRPr lang="en-US" dirty="0"/>
           </a:p>
         </p:txBody>
       </p:sp>
@@ -7396,39 +7283,35 @@
           <a:lstStyle/>
           <a:p>
             <a:r>
-              <a:rPr lang="en-US" dirty="0" smtClean="0"/>
+              <a:rPr lang="en-US" dirty="0"/>
               <a:t>What if we set the IF to be 0? i.e. directly convert RF to baseband?</a:t>
             </a:r>
           </a:p>
           <a:p>
             <a:pPr lvl="1"/>
             <a:r>
-              <a:rPr lang="en-US" dirty="0" smtClean="0"/>
+              <a:rPr lang="en-US" dirty="0"/>
               <a:t>Entirely possible! We call such a receiver zero-IF or direct conversion receiver; another name for it is homodyne (which in fact has a slightly different meaning)</a:t>
             </a:r>
           </a:p>
           <a:p>
             <a:r>
-              <a:rPr lang="en-US" dirty="0" smtClean="0"/>
+              <a:rPr lang="en-US" dirty="0"/>
               <a:t>There is no image frequency! Image reject filters are not needed anymore</a:t>
             </a:r>
           </a:p>
           <a:p>
             <a:pPr lvl="1"/>
             <a:r>
-              <a:rPr lang="en-US" dirty="0" smtClean="0"/>
+              <a:rPr lang="en-US" dirty="0"/>
               <a:t>System complexity reduces significantly; very amenable to IC design</a:t>
             </a:r>
           </a:p>
           <a:p>
             <a:pPr lvl="1"/>
             <a:r>
-              <a:rPr lang="en-US" dirty="0" smtClean="0"/>
-              <a:t>LNA does not have to drive </a:t>
-            </a:r>
-            <a:r>
               <a:rPr lang="en-US" dirty="0"/>
-              <a:t>50 </a:t>
+              <a:t>LNA does not have to drive 50 </a:t>
             </a:r>
             <a:r>
               <a:rPr lang="el-GR" dirty="0"/>
@@ -7442,13 +7325,13 @@
           <a:p>
             <a:pPr lvl="1"/>
             <a:r>
-              <a:rPr lang="en-US" dirty="0" smtClean="0"/>
+              <a:rPr lang="en-US" dirty="0"/>
               <a:t>Tuning the LO tunes the RF; easier to design a tunable RF receiver</a:t>
             </a:r>
           </a:p>
           <a:p>
             <a:r>
-              <a:rPr lang="en-US" dirty="0" smtClean="0"/>
+              <a:rPr lang="en-US" dirty="0"/>
               <a:t>Channel selection is performed by a fixed low pass filter </a:t>
             </a:r>
           </a:p>
@@ -7557,7 +7440,7 @@
                 <a:buNone/>
                 <a:tabLst/>
               </a:pPr>
-              <a:endParaRPr kumimoji="0" lang="en-US" sz="2400" b="0" i="0" u="none" strike="noStrike" cap="none" normalizeH="0" baseline="0" smtClean="0">
+              <a:endParaRPr kumimoji="0" lang="en-US" sz="2400" b="0" i="0" u="none" strike="noStrike" cap="none" normalizeH="0" baseline="0">
                 <a:ln>
                   <a:noFill/>
                 </a:ln>
@@ -7613,13 +7496,6 @@
   <p:clrMapOvr>
     <a:masterClrMapping/>
   </p:clrMapOvr>
-  <p:timing>
-    <p:tnLst>
-      <p:par>
-        <p:cTn id="1" dur="indefinite" restart="never" nodeType="tmRoot"/>
-      </p:par>
-    </p:tnLst>
-  </p:timing>
 </p:sld>
 </file>
 
@@ -7656,10 +7532,9 @@
           <a:lstStyle/>
           <a:p>
             <a:r>
-              <a:rPr lang="en-US" dirty="0" smtClean="0"/>
+              <a:rPr lang="en-US" dirty="0"/>
               <a:t>Direct Conversion Receiver – Problems </a:t>
             </a:r>
-            <a:endParaRPr lang="en-US" dirty="0"/>
           </a:p>
         </p:txBody>
       </p:sp>
@@ -7679,57 +7554,56 @@
           <a:lstStyle/>
           <a:p>
             <a:r>
-              <a:rPr lang="en-US" dirty="0" smtClean="0"/>
+              <a:rPr lang="en-US" dirty="0"/>
               <a:t>No free lunch! Direct conversion receivers have their own problems</a:t>
             </a:r>
           </a:p>
           <a:p>
             <a:pPr lvl="1"/>
             <a:r>
-              <a:rPr lang="en-US" dirty="0" smtClean="0"/>
+              <a:rPr lang="en-US" dirty="0"/>
               <a:t>LO Leakage</a:t>
             </a:r>
           </a:p>
           <a:p>
             <a:pPr lvl="1"/>
             <a:r>
-              <a:rPr lang="en-US" dirty="0" smtClean="0"/>
+              <a:rPr lang="en-US" dirty="0"/>
               <a:t>DC Offset</a:t>
             </a:r>
           </a:p>
           <a:p>
             <a:pPr lvl="1"/>
             <a:r>
-              <a:rPr lang="en-US" dirty="0" smtClean="0"/>
+              <a:rPr lang="en-US" dirty="0"/>
               <a:t>I/Q Mismatch</a:t>
             </a:r>
           </a:p>
           <a:p>
             <a:pPr lvl="1"/>
             <a:r>
-              <a:rPr lang="en-US" dirty="0" smtClean="0"/>
+              <a:rPr lang="en-US" dirty="0"/>
               <a:t>Even-order distortion</a:t>
             </a:r>
           </a:p>
           <a:p>
             <a:pPr lvl="1"/>
             <a:r>
-              <a:rPr lang="en-US" dirty="0" smtClean="0"/>
+              <a:rPr lang="en-US" dirty="0"/>
               <a:t>Flicker Noise</a:t>
             </a:r>
           </a:p>
           <a:p>
             <a:r>
-              <a:rPr lang="en-US" dirty="0" smtClean="0"/>
+              <a:rPr lang="en-US" dirty="0"/>
               <a:t>Direct conversion receiver was invented in the 1930s, but the above technical issues prevented it from being used until recently</a:t>
             </a:r>
           </a:p>
           <a:p>
             <a:r>
-              <a:rPr lang="en-US" dirty="0" smtClean="0"/>
+              <a:rPr lang="en-US" dirty="0"/>
               <a:t>The development in large scale integrated circuits and a need to have very tunable and re-programmable RF system (software defined radio) have revived it</a:t>
             </a:r>
-            <a:endParaRPr lang="en-US" dirty="0"/>
           </a:p>
         </p:txBody>
       </p:sp>
@@ -7743,13 +7617,6 @@
   <p:clrMapOvr>
     <a:masterClrMapping/>
   </p:clrMapOvr>
-  <p:timing>
-    <p:tnLst>
-      <p:par>
-        <p:cTn id="1" dur="indefinite" restart="never" nodeType="tmRoot"/>
-      </p:par>
-    </p:tnLst>
-  </p:timing>
 </p:sld>
 </file>
 
@@ -7786,10 +7653,9 @@
           <a:lstStyle/>
           <a:p>
             <a:r>
-              <a:rPr lang="en-US" dirty="0" smtClean="0"/>
+              <a:rPr lang="en-US" dirty="0"/>
               <a:t>LO Leakage</a:t>
             </a:r>
-            <a:endParaRPr lang="en-US" dirty="0"/>
           </a:p>
         </p:txBody>
       </p:sp>
@@ -7814,24 +7680,23 @@
           <a:lstStyle/>
           <a:p>
             <a:r>
-              <a:rPr lang="en-US" dirty="0" smtClean="0"/>
+              <a:rPr lang="en-US" dirty="0"/>
               <a:t>Since LO and RF are of the same frequency, the LO signal can pass through all the front-end filters and the antenna</a:t>
             </a:r>
           </a:p>
           <a:p>
             <a:pPr lvl="1"/>
             <a:r>
-              <a:rPr lang="en-US" dirty="0" smtClean="0"/>
+              <a:rPr lang="en-US" dirty="0"/>
               <a:t>Leakage of the LO may radiate from the receiving antenna, causing interference to other users. You are transmitting on a receive frequency!</a:t>
             </a:r>
           </a:p>
           <a:p>
             <a:pPr lvl="1"/>
             <a:r>
-              <a:rPr lang="en-US" dirty="0" smtClean="0"/>
+              <a:rPr lang="en-US" dirty="0"/>
               <a:t>Leakage can happen through substrate coupling, an insufficient LO-RF isolation in the de-modulator/mixer, and an insufficient reverse isolation in the LNA</a:t>
             </a:r>
-            <a:endParaRPr lang="en-US" dirty="0"/>
           </a:p>
         </p:txBody>
       </p:sp>
@@ -8428,13 +8293,6 @@
   <p:clrMapOvr>
     <a:masterClrMapping/>
   </p:clrMapOvr>
-  <p:timing>
-    <p:tnLst>
-      <p:par>
-        <p:cTn id="1" dur="indefinite" restart="never" nodeType="tmRoot"/>
-      </p:par>
-    </p:tnLst>
-  </p:timing>
 </p:sld>
 </file>
 
@@ -8471,10 +8329,9 @@
           <a:lstStyle/>
           <a:p>
             <a:r>
-              <a:rPr lang="en-US" dirty="0" smtClean="0"/>
+              <a:rPr lang="en-US" dirty="0"/>
               <a:t>DC Offset</a:t>
             </a:r>
-            <a:endParaRPr lang="en-US" dirty="0"/>
           </a:p>
         </p:txBody>
       </p:sp>
@@ -8499,27 +8356,27 @@
           <a:lstStyle/>
           <a:p>
             <a:r>
-              <a:rPr lang="en-US" dirty="0" smtClean="0"/>
+              <a:rPr lang="en-US" dirty="0"/>
               <a:t>When the leakage LO comes back to the de-modulator/mixer, it will mix with the actual LO to create a dc component at the baseband</a:t>
             </a:r>
           </a:p>
           <a:p>
             <a:pPr lvl="1"/>
             <a:r>
-              <a:rPr lang="en-US" dirty="0" smtClean="0"/>
+              <a:rPr lang="en-US" dirty="0"/>
               <a:t>LO leakage may reflect at the component boundaries where there is a mismatch</a:t>
             </a:r>
           </a:p>
           <a:p>
             <a:pPr lvl="1"/>
             <a:r>
-              <a:rPr lang="en-US" dirty="0" smtClean="0"/>
+              <a:rPr lang="en-US" dirty="0"/>
               <a:t>The radiated LO leakage may reflect off a nearby object to come back through the antenna</a:t>
             </a:r>
           </a:p>
           <a:p>
             <a:pPr lvl="1"/>
-            <a:endParaRPr lang="en-US" dirty="0" smtClean="0"/>
+            <a:endParaRPr lang="en-US" dirty="0"/>
           </a:p>
         </p:txBody>
       </p:sp>
@@ -9185,13 +9042,6 @@
   <p:clrMapOvr>
     <a:masterClrMapping/>
   </p:clrMapOvr>
-  <p:timing>
-    <p:tnLst>
-      <p:par>
-        <p:cTn id="1" dur="indefinite" restart="never" nodeType="tmRoot"/>
-      </p:par>
-    </p:tnLst>
-  </p:timing>
 </p:sld>
 </file>
 
@@ -9228,10 +9078,9 @@
           <a:lstStyle/>
           <a:p>
             <a:r>
-              <a:rPr lang="en-US" dirty="0" smtClean="0"/>
+              <a:rPr lang="en-US" dirty="0"/>
               <a:t>RF System Design Topics</a:t>
             </a:r>
-            <a:endParaRPr lang="en-US" dirty="0"/>
           </a:p>
         </p:txBody>
       </p:sp>
@@ -9251,28 +9100,28 @@
           <a:lstStyle/>
           <a:p>
             <a:r>
-              <a:rPr lang="en-US" dirty="0" smtClean="0"/>
+              <a:rPr lang="en-US" dirty="0"/>
               <a:t>From this lecture on, we will discuss several topics related to RF/microwave system designs</a:t>
             </a:r>
           </a:p>
           <a:p>
             <a:pPr lvl="1"/>
             <a:r>
-              <a:rPr lang="en-US" dirty="0" smtClean="0"/>
+              <a:rPr lang="en-US" dirty="0"/>
               <a:t>Transmitter and receiver architectures</a:t>
             </a:r>
           </a:p>
           <a:p>
             <a:pPr lvl="1"/>
             <a:r>
-              <a:rPr lang="en-US" dirty="0" smtClean="0"/>
+              <a:rPr lang="en-US" dirty="0"/>
               <a:t>Design and estimation of system gain, noise, and non-linearity</a:t>
             </a:r>
           </a:p>
           <a:p>
             <a:pPr lvl="1"/>
             <a:r>
-              <a:rPr lang="en-US" dirty="0" smtClean="0"/>
+              <a:rPr lang="en-US" dirty="0"/>
               <a:t>Link budget calculation</a:t>
             </a:r>
           </a:p>
@@ -9288,13 +9137,6 @@
   <p:clrMapOvr>
     <a:masterClrMapping/>
   </p:clrMapOvr>
-  <p:timing>
-    <p:tnLst>
-      <p:par>
-        <p:cTn id="1" dur="indefinite" restart="never" nodeType="tmRoot"/>
-      </p:par>
-    </p:tnLst>
-  </p:timing>
 </p:sld>
 </file>
 
@@ -9378,10 +9220,9 @@
           <a:lstStyle/>
           <a:p>
             <a:r>
-              <a:rPr lang="en-US" dirty="0" smtClean="0"/>
+              <a:rPr lang="en-US" dirty="0"/>
               <a:t>DC Offset</a:t>
             </a:r>
-            <a:endParaRPr lang="en-US" dirty="0"/>
           </a:p>
         </p:txBody>
       </p:sp>
@@ -9401,31 +9242,30 @@
           <a:lstStyle/>
           <a:p>
             <a:r>
-              <a:rPr lang="en-US" dirty="0" smtClean="0"/>
+              <a:rPr lang="en-US" dirty="0"/>
               <a:t>Since the offset occurs at dc, we can use a dc-blocking capacitor to eliminate it</a:t>
             </a:r>
           </a:p>
           <a:p>
             <a:pPr lvl="1"/>
             <a:r>
-              <a:rPr lang="en-US" dirty="0" smtClean="0"/>
+              <a:rPr lang="en-US" dirty="0"/>
               <a:t>The capacitor would have to be fairly large; may occupy a  large chip area if the circuit is to be implemented with IC technology</a:t>
             </a:r>
           </a:p>
           <a:p>
             <a:pPr lvl="1"/>
             <a:r>
-              <a:rPr lang="en-US" dirty="0" smtClean="0"/>
+              <a:rPr lang="en-US" dirty="0"/>
               <a:t>Charging of the capacitor also takes time, making it hard to accommodate fast data rates</a:t>
             </a:r>
           </a:p>
           <a:p>
             <a:pPr lvl="1"/>
             <a:r>
-              <a:rPr lang="en-US" dirty="0" smtClean="0"/>
+              <a:rPr lang="en-US" dirty="0"/>
               <a:t>Dc-blocking won’t work for signals whose baseband spectrum has a dc component itself</a:t>
             </a:r>
-            <a:endParaRPr lang="en-US" dirty="0"/>
           </a:p>
         </p:txBody>
       </p:sp>
@@ -9452,7 +9292,7 @@
           <a:lstStyle/>
           <a:p>
             <a:r>
-              <a:rPr lang="en-US" sz="800" dirty="0" smtClean="0">
+              <a:rPr lang="en-US" sz="800" dirty="0">
                 <a:solidFill>
                   <a:srgbClr val="000000"/>
                 </a:solidFill>
@@ -9462,7 +9302,7 @@
               <a:t>B. </a:t>
             </a:r>
             <a:r>
-              <a:rPr lang="en-US" sz="800" dirty="0" err="1" smtClean="0">
+              <a:rPr lang="en-US" sz="800" dirty="0" err="1">
                 <a:solidFill>
                   <a:srgbClr val="000000"/>
                 </a:solidFill>
@@ -9472,7 +9312,7 @@
               <a:t>Razavi</a:t>
             </a:r>
             <a:r>
-              <a:rPr lang="en-US" sz="800" dirty="0" smtClean="0">
+              <a:rPr lang="en-US" sz="800" dirty="0">
                 <a:solidFill>
                   <a:srgbClr val="000000"/>
                 </a:solidFill>
@@ -9758,10 +9598,9 @@
           <a:lstStyle/>
           <a:p>
             <a:r>
-              <a:rPr lang="en-US" dirty="0" smtClean="0"/>
+              <a:rPr lang="en-US" dirty="0"/>
               <a:t>Even Order Distortion</a:t>
             </a:r>
-            <a:endParaRPr lang="en-US" dirty="0"/>
           </a:p>
         </p:txBody>
       </p:sp>
@@ -9786,16 +9625,15 @@
           <a:lstStyle/>
           <a:p>
             <a:r>
-              <a:rPr lang="en-US" dirty="0" smtClean="0"/>
+              <a:rPr lang="en-US" dirty="0"/>
               <a:t>We learned about non-linearity in the RF Amplifiers lecture and know that third-order non-linearity lead to inter-modulations products that are very close to desired signal</a:t>
             </a:r>
           </a:p>
           <a:p>
             <a:r>
-              <a:rPr lang="en-US" dirty="0" smtClean="0"/>
+              <a:rPr lang="en-US" dirty="0"/>
               <a:t>In a direction conversion receiver, there is one more non-linear distortion mechanism: even-order non-linearity</a:t>
             </a:r>
-            <a:endParaRPr lang="en-US" dirty="0"/>
           </a:p>
         </p:txBody>
       </p:sp>
@@ -9865,7 +9703,7 @@
                 <a:buNone/>
                 <a:tabLst/>
               </a:pPr>
-              <a:endParaRPr kumimoji="0" lang="en-US" sz="2400" b="0" i="0" u="none" strike="noStrike" cap="none" normalizeH="0" baseline="0" dirty="0" smtClean="0">
+              <a:endParaRPr kumimoji="0" lang="en-US" sz="2400" b="0" i="0" u="none" strike="noStrike" cap="none" normalizeH="0" baseline="0" dirty="0">
                 <a:ln>
                   <a:noFill/>
                 </a:ln>
@@ -9977,7 +9815,7 @@
             <a:lstStyle/>
             <a:p>
               <a:r>
-                <a:rPr lang="en-US" sz="2000" b="1" dirty="0" smtClean="0">
+                <a:rPr lang="en-US" sz="2000" b="1" dirty="0">
                   <a:solidFill>
                     <a:srgbClr val="000000"/>
                   </a:solidFill>
@@ -10012,7 +9850,7 @@
           <a:lstStyle/>
           <a:p>
             <a:r>
-              <a:rPr lang="en-US" sz="2000" dirty="0" smtClean="0">
+              <a:rPr lang="en-US" sz="2000" dirty="0">
                 <a:solidFill>
                   <a:srgbClr val="000000"/>
                 </a:solidFill>
@@ -10428,7 +10266,7 @@
                     </m:oMath>
                   </m:oMathPara>
                 </a14:m>
-                <a:endParaRPr lang="en-US" sz="2000" dirty="0" smtClean="0">
+                <a:endParaRPr lang="en-US" sz="2000" dirty="0">
                   <a:solidFill>
                     <a:srgbClr val="000000"/>
                   </a:solidFill>
@@ -11602,18 +11440,8 @@
                     </m:oMath>
                   </m:oMathPara>
                 </a14:m>
-                <a:r>
-                  <a:rPr lang="en-US" sz="2000" b="0" i="1" dirty="0" smtClean="0">
-                    <a:solidFill>
-                      <a:srgbClr val="000000"/>
-                    </a:solidFill>
-                    <a:latin typeface="Cambria Math" panose="02040503050406030204" pitchFamily="18" charset="0"/>
-                    <a:cs typeface="Kalinga" panose="020B0502040204020203" pitchFamily="34" charset="0"/>
-                  </a:rPr>
-                  <a:t/>
-                </a:r>
                 <a:br>
-                  <a:rPr lang="en-US" sz="2000" b="0" i="1" dirty="0" smtClean="0">
+                  <a:rPr lang="en-US" sz="2000" b="0" i="1" dirty="0">
                     <a:solidFill>
                       <a:srgbClr val="000000"/>
                     </a:solidFill>
@@ -11622,7 +11450,7 @@
                   </a:rPr>
                 </a:br>
                 <a:r>
-                  <a:rPr lang="en-US" sz="2000" b="0" i="1" dirty="0" smtClean="0">
+                  <a:rPr lang="en-US" sz="2000" b="0" i="1" dirty="0">
                     <a:solidFill>
                       <a:srgbClr val="000000"/>
                     </a:solidFill>
@@ -12145,7 +11973,7 @@
                     </m:func>
                   </m:oMath>
                 </a14:m>
-                <a:endParaRPr lang="en-US" sz="2000" b="0" dirty="0" smtClean="0">
+                <a:endParaRPr lang="en-US" sz="2000" b="0" dirty="0">
                   <a:solidFill>
                     <a:srgbClr val="000000"/>
                   </a:solidFill>
@@ -12218,7 +12046,7 @@
           <a:lstStyle/>
           <a:p>
             <a:r>
-              <a:rPr lang="en-US" sz="2000" dirty="0" smtClean="0">
+              <a:rPr lang="en-US" sz="2000" dirty="0">
                 <a:solidFill>
                   <a:srgbClr val="000000"/>
                 </a:solidFill>
@@ -12257,7 +12085,7 @@
           </a:bodyPr>
           <a:lstStyle/>
           <a:p>
-            <a:endParaRPr lang="en-US" sz="2000" dirty="0" smtClean="0">
+            <a:endParaRPr lang="en-US" sz="2000" dirty="0">
               <a:solidFill>
                 <a:srgbClr val="000000"/>
               </a:solidFill>
@@ -12290,7 +12118,7 @@
           <a:lstStyle/>
           <a:p>
             <a:r>
-              <a:rPr lang="en-US" sz="2000" dirty="0" smtClean="0">
+              <a:rPr lang="en-US" sz="2000" dirty="0">
                 <a:solidFill>
                   <a:srgbClr val="FF0000"/>
                 </a:solidFill>
@@ -12325,7 +12153,7 @@
           <a:lstStyle/>
           <a:p>
             <a:r>
-              <a:rPr lang="en-US" sz="800" dirty="0" smtClean="0">
+              <a:rPr lang="en-US" sz="800" dirty="0">
                 <a:solidFill>
                   <a:srgbClr val="000000"/>
                 </a:solidFill>
@@ -12335,7 +12163,7 @@
               <a:t>B. </a:t>
             </a:r>
             <a:r>
-              <a:rPr lang="en-US" sz="800" dirty="0" err="1" smtClean="0">
+              <a:rPr lang="en-US" sz="800" dirty="0" err="1">
                 <a:solidFill>
                   <a:srgbClr val="000000"/>
                 </a:solidFill>
@@ -12345,7 +12173,7 @@
               <a:t>Razavi</a:t>
             </a:r>
             <a:r>
-              <a:rPr lang="en-US" sz="800" dirty="0" smtClean="0">
+              <a:rPr lang="en-US" sz="800" dirty="0">
                 <a:solidFill>
                   <a:srgbClr val="000000"/>
                 </a:solidFill>
@@ -12652,10 +12480,9 @@
           <a:lstStyle/>
           <a:p>
             <a:r>
-              <a:rPr lang="en-US" dirty="0" smtClean="0"/>
+              <a:rPr lang="en-US" dirty="0"/>
               <a:t>Even Order Distortion</a:t>
             </a:r>
-            <a:endParaRPr lang="en-US" dirty="0"/>
           </a:p>
         </p:txBody>
       </p:sp>
@@ -12680,16 +12507,15 @@
           <a:lstStyle/>
           <a:p>
             <a:r>
-              <a:rPr lang="en-US" dirty="0" smtClean="0"/>
+              <a:rPr lang="en-US" dirty="0"/>
               <a:t>Beat frequency due to the second-order non-linearity term can pass through the receiver chain if the RF-IF leakage is not well controlled</a:t>
             </a:r>
           </a:p>
           <a:p>
             <a:r>
-              <a:rPr lang="en-US" dirty="0" smtClean="0"/>
+              <a:rPr lang="en-US" dirty="0"/>
               <a:t>Because the beat frequency is close to dc, it may corrupt the desired signal</a:t>
             </a:r>
-            <a:endParaRPr lang="en-US" dirty="0"/>
           </a:p>
         </p:txBody>
       </p:sp>
@@ -12716,7 +12542,7 @@
           <a:lstStyle/>
           <a:p>
             <a:r>
-              <a:rPr lang="en-US" sz="800" dirty="0" smtClean="0">
+              <a:rPr lang="en-US" sz="800" dirty="0">
                 <a:solidFill>
                   <a:srgbClr val="000000"/>
                 </a:solidFill>
@@ -12726,7 +12552,7 @@
               <a:t>B. </a:t>
             </a:r>
             <a:r>
-              <a:rPr lang="en-US" sz="800" dirty="0" err="1" smtClean="0">
+              <a:rPr lang="en-US" sz="800" dirty="0" err="1">
                 <a:solidFill>
                   <a:srgbClr val="000000"/>
                 </a:solidFill>
@@ -12736,7 +12562,7 @@
               <a:t>Razavi</a:t>
             </a:r>
             <a:r>
-              <a:rPr lang="en-US" sz="800" dirty="0" smtClean="0">
+              <a:rPr lang="en-US" sz="800" dirty="0">
                 <a:solidFill>
                   <a:srgbClr val="000000"/>
                 </a:solidFill>
@@ -12872,10 +12698,9 @@
           <a:lstStyle/>
           <a:p>
             <a:r>
-              <a:rPr lang="en-US" dirty="0" smtClean="0"/>
+              <a:rPr lang="en-US" dirty="0"/>
               <a:t>Second-Order Intercept Point</a:t>
             </a:r>
-            <a:endParaRPr lang="en-US" dirty="0"/>
           </a:p>
         </p:txBody>
       </p:sp>
@@ -12895,29 +12720,29 @@
           <a:lstStyle/>
           <a:p>
             <a:r>
-              <a:rPr lang="en-US" dirty="0" smtClean="0"/>
+              <a:rPr lang="en-US" dirty="0"/>
               <a:t>Similar to the concept of IP3, we define a second-order intercept point (IP2) for the receiver</a:t>
             </a:r>
           </a:p>
           <a:p>
             <a:pPr lvl="1"/>
             <a:r>
-              <a:rPr lang="en-US" dirty="0" smtClean="0"/>
+              <a:rPr lang="en-US" dirty="0"/>
               <a:t>In general, all even-order non-</a:t>
             </a:r>
             <a:r>
-              <a:rPr lang="en-US" dirty="0" err="1" smtClean="0"/>
+              <a:rPr lang="en-US" dirty="0" err="1"/>
               <a:t>linearities</a:t>
             </a:r>
             <a:r>
-              <a:rPr lang="en-US" dirty="0" smtClean="0"/>
+              <a:rPr lang="en-US" dirty="0"/>
               <a:t> create the low-frequency beat signals; the second-order term is usually the strongest of them</a:t>
             </a:r>
           </a:p>
           <a:p>
             <a:pPr lvl="1"/>
             <a:r>
-              <a:rPr lang="en-US" dirty="0" smtClean="0"/>
+              <a:rPr lang="en-US" dirty="0"/>
               <a:t>IP2 defined as the point when the second-order inter-modulation products have the same power as the fundamental term</a:t>
             </a:r>
           </a:p>
@@ -12974,7 +12799,7 @@
           <a:lstStyle/>
           <a:p>
             <a:r>
-              <a:rPr lang="en-US" sz="800" dirty="0" smtClean="0">
+              <a:rPr lang="en-US" sz="800" dirty="0">
                 <a:solidFill>
                   <a:srgbClr val="000000"/>
                 </a:solidFill>
@@ -12984,7 +12809,7 @@
               <a:t>B. </a:t>
             </a:r>
             <a:r>
-              <a:rPr lang="en-US" sz="800" dirty="0" err="1" smtClean="0">
+              <a:rPr lang="en-US" sz="800" dirty="0" err="1">
                 <a:solidFill>
                   <a:srgbClr val="000000"/>
                 </a:solidFill>
@@ -12994,7 +12819,7 @@
               <a:t>Razavi</a:t>
             </a:r>
             <a:r>
-              <a:rPr lang="en-US" sz="800" dirty="0" smtClean="0">
+              <a:rPr lang="en-US" sz="800" dirty="0">
                 <a:solidFill>
                   <a:srgbClr val="000000"/>
                 </a:solidFill>
@@ -13016,13 +12841,6 @@
   <p:clrMapOvr>
     <a:masterClrMapping/>
   </p:clrMapOvr>
-  <p:timing>
-    <p:tnLst>
-      <p:par>
-        <p:cTn id="1" dur="indefinite" restart="never" nodeType="tmRoot"/>
-      </p:par>
-    </p:tnLst>
-  </p:timing>
 </p:sld>
 </file>
 
@@ -13059,10 +12877,9 @@
           <a:lstStyle/>
           <a:p>
             <a:r>
-              <a:rPr lang="en-US" dirty="0" smtClean="0"/>
+              <a:rPr lang="en-US" dirty="0"/>
               <a:t>Even Order Distortion</a:t>
             </a:r>
-            <a:endParaRPr lang="en-US" dirty="0"/>
           </a:p>
         </p:txBody>
       </p:sp>
@@ -13082,24 +12899,23 @@
           <a:lstStyle/>
           <a:p>
             <a:r>
-              <a:rPr lang="en-US" dirty="0" smtClean="0"/>
+              <a:rPr lang="en-US" dirty="0"/>
               <a:t>Even-order distortion will also cause a low frequency output if the interferer has amplitude variations</a:t>
             </a:r>
           </a:p>
           <a:p>
             <a:pPr lvl="1"/>
             <a:r>
-              <a:rPr lang="en-US" dirty="0" smtClean="0"/>
+              <a:rPr lang="en-US" dirty="0"/>
               <a:t>The second-order term essentially works as a square-law detector</a:t>
             </a:r>
           </a:p>
           <a:p>
             <a:pPr lvl="1"/>
             <a:r>
-              <a:rPr lang="en-US" dirty="0" smtClean="0"/>
+              <a:rPr lang="en-US" dirty="0"/>
               <a:t>One interferer is enough to cause trouble to your baseband signal</a:t>
             </a:r>
-            <a:endParaRPr lang="en-US" dirty="0"/>
           </a:p>
         </p:txBody>
       </p:sp>
@@ -13217,7 +13033,7 @@
                 <a:buNone/>
                 <a:tabLst/>
               </a:pPr>
-              <a:endParaRPr kumimoji="0" lang="en-US" sz="2400" b="0" i="0" u="none" strike="noStrike" cap="none" normalizeH="0" baseline="0" dirty="0" smtClean="0">
+              <a:endParaRPr kumimoji="0" lang="en-US" sz="2400" b="0" i="0" u="none" strike="noStrike" cap="none" normalizeH="0" baseline="0" dirty="0">
                 <a:ln>
                   <a:noFill/>
                 </a:ln>
@@ -13329,7 +13145,7 @@
             <a:lstStyle/>
             <a:p>
               <a:r>
-                <a:rPr lang="en-US" sz="2000" b="1" dirty="0" smtClean="0">
+                <a:rPr lang="en-US" sz="2000" b="1" dirty="0">
                   <a:solidFill>
                     <a:srgbClr val="000000"/>
                   </a:solidFill>
@@ -14365,7 +14181,7 @@
                     </m:oMath>
                   </m:oMathPara>
                 </a14:m>
-                <a:endParaRPr lang="en-US" sz="2000" b="0" dirty="0" smtClean="0">
+                <a:endParaRPr lang="en-US" sz="2000" b="0" dirty="0">
                   <a:solidFill>
                     <a:srgbClr val="000000"/>
                   </a:solidFill>
@@ -14465,7 +14281,7 @@
               <a:buNone/>
               <a:tabLst/>
             </a:pPr>
-            <a:endParaRPr kumimoji="0" lang="en-US" sz="2400" b="0" i="0" u="none" strike="noStrike" cap="none" normalizeH="0" baseline="0" smtClean="0">
+            <a:endParaRPr kumimoji="0" lang="en-US" sz="2400" b="0" i="0" u="none" strike="noStrike" cap="none" normalizeH="0" baseline="0">
               <a:ln>
                 <a:noFill/>
               </a:ln>
@@ -14540,34 +14356,14 @@
           <a:lstStyle/>
           <a:p>
             <a:r>
-              <a:rPr lang="en-US" sz="2000" dirty="0" smtClean="0">
+              <a:rPr lang="en-US" sz="2000" dirty="0">
                 <a:solidFill>
                   <a:srgbClr val="C00000"/>
                 </a:solidFill>
                 <a:latin typeface="Kalinga" panose="020B0502040204020203" pitchFamily="34" charset="0"/>
                 <a:cs typeface="Kalinga" panose="020B0502040204020203" pitchFamily="34" charset="0"/>
               </a:rPr>
-              <a:t>The envelop </a:t>
-            </a:r>
-            <a:r>
-              <a:rPr lang="en-US" sz="2000" dirty="0" smtClean="0">
-                <a:solidFill>
-                  <a:srgbClr val="C00000"/>
-                </a:solidFill>
-                <a:latin typeface="Kalinga" panose="020B0502040204020203" pitchFamily="34" charset="0"/>
-                <a:cs typeface="Kalinga" panose="020B0502040204020203" pitchFamily="34" charset="0"/>
-              </a:rPr>
-              <a:t>signal </a:t>
-            </a:r>
-            <a:r>
-              <a:rPr lang="en-US" sz="2000" dirty="0" smtClean="0">
-                <a:solidFill>
-                  <a:srgbClr val="C00000"/>
-                </a:solidFill>
-                <a:latin typeface="Kalinga" panose="020B0502040204020203" pitchFamily="34" charset="0"/>
-                <a:cs typeface="Kalinga" panose="020B0502040204020203" pitchFamily="34" charset="0"/>
-              </a:rPr>
-              <a:t>will pass through the baseband LPF</a:t>
+              <a:t>The envelop signal will pass through the baseband LPF</a:t>
             </a:r>
           </a:p>
         </p:txBody>
@@ -14595,7 +14391,7 @@
           <a:lstStyle/>
           <a:p>
             <a:r>
-              <a:rPr lang="en-US" sz="800" dirty="0" smtClean="0">
+              <a:rPr lang="en-US" sz="800" dirty="0">
                 <a:solidFill>
                   <a:srgbClr val="000000"/>
                 </a:solidFill>
@@ -14605,7 +14401,7 @@
               <a:t>B. </a:t>
             </a:r>
             <a:r>
-              <a:rPr lang="en-US" sz="800" dirty="0" err="1" smtClean="0">
+              <a:rPr lang="en-US" sz="800" dirty="0" err="1">
                 <a:solidFill>
                   <a:srgbClr val="000000"/>
                 </a:solidFill>
@@ -14615,7 +14411,7 @@
               <a:t>Razavi</a:t>
             </a:r>
             <a:r>
-              <a:rPr lang="en-US" sz="800" dirty="0" smtClean="0">
+              <a:rPr lang="en-US" sz="800" dirty="0">
                 <a:solidFill>
                   <a:srgbClr val="000000"/>
                 </a:solidFill>
@@ -14879,10 +14675,9 @@
           <a:lstStyle/>
           <a:p>
             <a:r>
-              <a:rPr lang="en-US" dirty="0" smtClean="0"/>
+              <a:rPr lang="en-US" dirty="0"/>
               <a:t>Flicker Noise</a:t>
             </a:r>
-            <a:endParaRPr lang="en-US" dirty="0"/>
           </a:p>
         </p:txBody>
       </p:sp>
@@ -14907,78 +14702,70 @@
           <a:lstStyle/>
           <a:p>
             <a:r>
-              <a:rPr lang="en-US" dirty="0" smtClean="0"/>
+              <a:rPr lang="en-US" dirty="0"/>
               <a:t>Flicker noise is a type of frequency dependent noise (compare with thermal noise, which is frequency independent for practical applications)</a:t>
             </a:r>
           </a:p>
           <a:p>
             <a:pPr lvl="1"/>
             <a:r>
-              <a:rPr lang="en-US" dirty="0" smtClean="0"/>
+              <a:rPr lang="en-US" dirty="0"/>
               <a:t>Flicker noise shows up as a low-frequency variation in the current or voltage in an electronic device</a:t>
             </a:r>
           </a:p>
           <a:p>
             <a:pPr lvl="1"/>
             <a:r>
-              <a:rPr lang="en-US" dirty="0" smtClean="0"/>
+              <a:rPr lang="en-US" dirty="0"/>
               <a:t>Flicker noise in an electronic device is always associated with a dc current</a:t>
             </a:r>
           </a:p>
           <a:p>
             <a:pPr lvl="1"/>
             <a:r>
-              <a:rPr lang="en-US" dirty="0" smtClean="0"/>
+              <a:rPr lang="en-US" dirty="0"/>
               <a:t>Also know as </a:t>
             </a:r>
             <a:r>
-              <a:rPr lang="en-US" b="1" dirty="0" smtClean="0"/>
+              <a:rPr lang="en-US" b="1" dirty="0"/>
               <a:t>1/f noise</a:t>
             </a:r>
             <a:r>
-              <a:rPr lang="en-US" dirty="0" smtClean="0"/>
+              <a:rPr lang="en-US" dirty="0"/>
               <a:t>, as the slope of noise power follows a 1/f relationship; or </a:t>
             </a:r>
             <a:r>
-              <a:rPr lang="en-US" b="1" dirty="0" smtClean="0"/>
+              <a:rPr lang="en-US" b="1" dirty="0"/>
               <a:t>pink </a:t>
             </a:r>
             <a:r>
-              <a:rPr lang="en-US" dirty="0" smtClean="0"/>
-              <a:t>noise, as </a:t>
-            </a:r>
-            <a:r>
-              <a:rPr lang="en-US" dirty="0" smtClean="0"/>
-              <a:t>opposed </a:t>
-            </a:r>
-            <a:r>
-              <a:rPr lang="en-US" dirty="0" smtClean="0"/>
-              <a:t>to </a:t>
-            </a:r>
-            <a:r>
-              <a:rPr lang="en-US" b="1" dirty="0" smtClean="0"/>
+              <a:rPr lang="en-US" dirty="0"/>
+              <a:t>noise, as opposed to </a:t>
+            </a:r>
+            <a:r>
+              <a:rPr lang="en-US" b="1" dirty="0"/>
               <a:t>white</a:t>
             </a:r>
             <a:r>
-              <a:rPr lang="en-US" dirty="0" smtClean="0"/>
+              <a:rPr lang="en-US" dirty="0"/>
               <a:t> noise</a:t>
             </a:r>
           </a:p>
           <a:p>
             <a:pPr lvl="1"/>
             <a:r>
-              <a:rPr lang="en-US" dirty="0" smtClean="0"/>
+              <a:rPr lang="en-US" dirty="0"/>
               <a:t>Flicker noise is usually characterized by its corner frequency </a:t>
             </a:r>
             <a:r>
-              <a:rPr lang="en-US" i="1" dirty="0" smtClean="0">
+              <a:rPr lang="en-US" i="1" dirty="0">
                 <a:latin typeface="Times New Roman" panose="02020603050405020304" pitchFamily="18" charset="0"/>
                 <a:cs typeface="Times New Roman" panose="02020603050405020304" pitchFamily="18" charset="0"/>
               </a:rPr>
               <a:t>f</a:t>
             </a:r>
             <a:r>
-              <a:rPr lang="en-US" i="1" baseline="-25000" dirty="0" smtClean="0">
+              <a:rPr lang="en-US" i="1" baseline="-25000" dirty="0">
                 <a:latin typeface="Times New Roman" panose="02020603050405020304" pitchFamily="18" charset="0"/>
                 <a:cs typeface="Times New Roman" panose="02020603050405020304" pitchFamily="18" charset="0"/>
               </a:rPr>
@@ -15084,7 +14871,7 @@
           <a:lstStyle/>
           <a:p>
             <a:r>
-              <a:rPr lang="en-US" sz="2000" dirty="0" smtClean="0">
+              <a:rPr lang="en-US" sz="2000" dirty="0">
                 <a:solidFill>
                   <a:srgbClr val="000000"/>
                 </a:solidFill>
@@ -15106,13 +14893,6 @@
   <p:clrMapOvr>
     <a:masterClrMapping/>
   </p:clrMapOvr>
-  <p:timing>
-    <p:tnLst>
-      <p:par>
-        <p:cTn id="1" dur="indefinite" restart="never" nodeType="tmRoot"/>
-      </p:par>
-    </p:tnLst>
-  </p:timing>
 </p:sld>
 </file>
 
@@ -15156,10 +14936,9 @@
           <a:lstStyle/>
           <a:p>
             <a:r>
-              <a:rPr lang="en-US" dirty="0" smtClean="0"/>
+              <a:rPr lang="en-US" dirty="0"/>
               <a:t>Flicker Noise in a Direction Conversion System</a:t>
             </a:r>
-            <a:endParaRPr lang="en-US" dirty="0"/>
           </a:p>
         </p:txBody>
       </p:sp>
@@ -15179,18 +14958,17 @@
           <a:lstStyle/>
           <a:p>
             <a:r>
-              <a:rPr lang="en-US" dirty="0" smtClean="0"/>
+              <a:rPr lang="en-US" dirty="0"/>
               <a:t>Since RF signal is de-modulated into </a:t>
             </a:r>
             <a:r>
-              <a:rPr lang="en-US" dirty="0" err="1" smtClean="0"/>
+              <a:rPr lang="en-US" dirty="0" err="1"/>
               <a:t>basedband</a:t>
             </a:r>
             <a:r>
-              <a:rPr lang="en-US" dirty="0" smtClean="0"/>
+              <a:rPr lang="en-US" dirty="0"/>
               <a:t> directly, they suffer from flicker noise in the baseband amplifier</a:t>
             </a:r>
-            <a:endParaRPr lang="en-US" dirty="0"/>
           </a:p>
         </p:txBody>
       </p:sp>
@@ -15342,13 +15120,6 @@
   <p:clrMapOvr>
     <a:masterClrMapping/>
   </p:clrMapOvr>
-  <p:timing>
-    <p:tnLst>
-      <p:par>
-        <p:cTn id="1" dur="indefinite" restart="never" nodeType="tmRoot"/>
-      </p:par>
-    </p:tnLst>
-  </p:timing>
 </p:sld>
 </file>
 
@@ -15385,14 +15156,13 @@
           <a:lstStyle/>
           <a:p>
             <a:r>
-              <a:rPr lang="en-US" dirty="0" err="1" smtClean="0"/>
+              <a:rPr lang="en-US" dirty="0" err="1"/>
               <a:t>Superheterodyne</a:t>
             </a:r>
             <a:r>
-              <a:rPr lang="en-US" dirty="0" smtClean="0"/>
+              <a:rPr lang="en-US" dirty="0"/>
               <a:t> vs. Direct Conversion</a:t>
             </a:r>
-            <a:endParaRPr lang="en-US" dirty="0"/>
           </a:p>
         </p:txBody>
       </p:sp>
@@ -15417,7 +15187,7 @@
           <a:lstStyle/>
           <a:p>
             <a:r>
-              <a:rPr lang="en-US" dirty="0" err="1" smtClean="0"/>
+              <a:rPr lang="en-US" dirty="0" err="1"/>
               <a:t>Superheterodyne</a:t>
             </a:r>
             <a:endParaRPr lang="en-US" dirty="0"/>
@@ -15425,34 +15195,34 @@
           <a:p>
             <a:pPr lvl="1"/>
             <a:r>
-              <a:rPr lang="en-US" dirty="0" smtClean="0"/>
+              <a:rPr lang="en-US" dirty="0"/>
               <a:t>Superior performance in terms of sensitivity and dynamic range</a:t>
             </a:r>
           </a:p>
           <a:p>
             <a:pPr lvl="1"/>
             <a:r>
-              <a:rPr lang="en-US" dirty="0" smtClean="0"/>
+              <a:rPr lang="en-US" dirty="0"/>
               <a:t>Complex system design and frequency planning</a:t>
             </a:r>
           </a:p>
           <a:p>
             <a:pPr lvl="1"/>
             <a:r>
-              <a:rPr lang="en-US" dirty="0" smtClean="0"/>
+              <a:rPr lang="en-US" dirty="0"/>
               <a:t>Requires more components, especially high-Q filters that may be difficult to integrate into IC</a:t>
             </a:r>
           </a:p>
           <a:p>
             <a:pPr lvl="1"/>
             <a:r>
-              <a:rPr lang="en-US" dirty="0" smtClean="0"/>
+              <a:rPr lang="en-US" dirty="0"/>
               <a:t>Difficult to tune to a wide frequency range</a:t>
             </a:r>
           </a:p>
           <a:p>
             <a:pPr lvl="1"/>
-            <a:endParaRPr lang="en-US" dirty="0" smtClean="0"/>
+            <a:endParaRPr lang="en-US" dirty="0"/>
           </a:p>
           <a:p>
             <a:pPr lvl="1"/>
@@ -15657,63 +15427,63 @@
           </a:lstStyle>
           <a:p>
             <a:r>
-              <a:rPr lang="en-US" kern="0" dirty="0" smtClean="0"/>
+              <a:rPr lang="en-US" kern="0" dirty="0"/>
               <a:t>Direct conversion</a:t>
             </a:r>
           </a:p>
           <a:p>
             <a:pPr lvl="1"/>
             <a:r>
-              <a:rPr lang="en-US" kern="0" dirty="0" smtClean="0"/>
+              <a:rPr lang="en-US" kern="0" dirty="0"/>
               <a:t>Flexibility in RF frequency</a:t>
             </a:r>
           </a:p>
           <a:p>
             <a:pPr lvl="1"/>
             <a:r>
-              <a:rPr lang="en-US" kern="0" dirty="0" smtClean="0"/>
+              <a:rPr lang="en-US" kern="0" dirty="0"/>
               <a:t>Fewer components, especially filters</a:t>
             </a:r>
           </a:p>
           <a:p>
             <a:pPr lvl="1"/>
             <a:r>
-              <a:rPr lang="en-US" kern="0" dirty="0" smtClean="0"/>
+              <a:rPr lang="en-US" kern="0" dirty="0"/>
               <a:t>Lower cost</a:t>
             </a:r>
           </a:p>
           <a:p>
             <a:pPr lvl="1"/>
             <a:r>
-              <a:rPr lang="en-US" kern="0" dirty="0" smtClean="0"/>
+              <a:rPr lang="en-US" kern="0" dirty="0"/>
               <a:t>Suffer from a few issues that need to be carefully taken care of</a:t>
             </a:r>
           </a:p>
           <a:p>
             <a:pPr lvl="2"/>
             <a:r>
-              <a:rPr lang="en-US" kern="0" dirty="0" smtClean="0"/>
+              <a:rPr lang="en-US" kern="0" dirty="0"/>
               <a:t>DC offset</a:t>
             </a:r>
           </a:p>
           <a:p>
             <a:pPr lvl="2"/>
             <a:r>
-              <a:rPr lang="en-US" kern="0" dirty="0" smtClean="0"/>
+              <a:rPr lang="en-US" kern="0" dirty="0"/>
               <a:t>IQ imbalance</a:t>
             </a:r>
           </a:p>
           <a:p>
             <a:pPr lvl="2"/>
             <a:r>
-              <a:rPr lang="en-US" kern="0" dirty="0" smtClean="0"/>
+              <a:rPr lang="en-US" kern="0" dirty="0"/>
               <a:t>LO leakage</a:t>
             </a:r>
           </a:p>
           <a:p>
             <a:pPr lvl="2"/>
             <a:r>
-              <a:rPr lang="en-US" kern="0" dirty="0" smtClean="0"/>
+              <a:rPr lang="en-US" kern="0" dirty="0"/>
               <a:t>Flicker noise</a:t>
             </a:r>
           </a:p>
@@ -15729,13 +15499,6 @@
   <p:clrMapOvr>
     <a:masterClrMapping/>
   </p:clrMapOvr>
-  <p:timing>
-    <p:tnLst>
-      <p:par>
-        <p:cTn id="1" dur="indefinite" restart="never" nodeType="tmRoot"/>
-      </p:par>
-    </p:tnLst>
-  </p:timing>
 </p:sld>
 </file>
 
@@ -15772,10 +15535,9 @@
           <a:lstStyle/>
           <a:p>
             <a:r>
-              <a:rPr lang="en-US" dirty="0" smtClean="0"/>
+              <a:rPr lang="en-US" dirty="0"/>
               <a:t>Low IF Receiver </a:t>
             </a:r>
-            <a:endParaRPr lang="en-US" dirty="0"/>
           </a:p>
         </p:txBody>
       </p:sp>
@@ -15800,58 +15562,58 @@
           <a:lstStyle/>
           <a:p>
             <a:r>
-              <a:rPr lang="en-US" b="1" u="sng" dirty="0" smtClean="0"/>
+              <a:rPr lang="en-US" b="1" u="sng" dirty="0"/>
               <a:t>Low IF</a:t>
             </a:r>
             <a:r>
-              <a:rPr lang="en-US" dirty="0" smtClean="0"/>
+              <a:rPr lang="en-US" dirty="0"/>
               <a:t>: IF in the range of a few MHz or several hundred kHz</a:t>
             </a:r>
           </a:p>
           <a:p>
             <a:r>
-              <a:rPr lang="en-US" dirty="0" smtClean="0"/>
+              <a:rPr lang="en-US" dirty="0"/>
               <a:t>Advantages:</a:t>
             </a:r>
           </a:p>
           <a:p>
             <a:pPr lvl="1"/>
             <a:r>
-              <a:rPr lang="en-US" dirty="0" smtClean="0"/>
+              <a:rPr lang="en-US" dirty="0"/>
               <a:t>Great channel selection capability</a:t>
             </a:r>
           </a:p>
           <a:p>
             <a:pPr lvl="1"/>
             <a:r>
-              <a:rPr lang="en-US" dirty="0" smtClean="0"/>
+              <a:rPr lang="en-US" dirty="0"/>
               <a:t>Very much like direct conversion receiver, but without the problems of DC offset and flicker noise. </a:t>
             </a:r>
           </a:p>
           <a:p>
             <a:pPr lvl="1"/>
             <a:r>
-              <a:rPr lang="en-US" dirty="0" smtClean="0"/>
+              <a:rPr lang="en-US" dirty="0"/>
               <a:t>May require less components</a:t>
             </a:r>
           </a:p>
           <a:p>
             <a:r>
-              <a:rPr lang="en-US" dirty="0" smtClean="0"/>
+              <a:rPr lang="en-US" dirty="0"/>
               <a:t>Disadvantages:</a:t>
             </a:r>
           </a:p>
           <a:p>
             <a:pPr lvl="1"/>
             <a:r>
-              <a:rPr lang="en-US" dirty="0" smtClean="0"/>
+              <a:rPr lang="en-US" dirty="0"/>
               <a:t>Image frequency is very close to the RF frequency; may need a very high-Q filter; image reject mixer not be sufficient</a:t>
             </a:r>
           </a:p>
           <a:p>
             <a:pPr lvl="2"/>
             <a:r>
-              <a:rPr lang="en-US" dirty="0" smtClean="0"/>
+              <a:rPr lang="en-US" dirty="0"/>
               <a:t>This can be alleviated if we know for sure that there will not be interferers at the image frequency</a:t>
             </a:r>
           </a:p>
@@ -15967,7 +15729,7 @@
             <a:lstStyle/>
             <a:p>
               <a:r>
-                <a:rPr lang="en-US" sz="2000" dirty="0" smtClean="0">
+                <a:rPr lang="en-US" sz="2000" dirty="0">
                   <a:solidFill>
                     <a:srgbClr val="000000"/>
                   </a:solidFill>
@@ -16058,7 +15820,7 @@
             <a:lstStyle/>
             <a:p>
               <a:r>
-                <a:rPr lang="en-US" sz="2000" dirty="0" smtClean="0">
+                <a:rPr lang="en-US" sz="2000" dirty="0">
                   <a:solidFill>
                     <a:srgbClr val="000000"/>
                   </a:solidFill>
@@ -16268,20 +16030,20 @@
           </a:lstStyle>
           <a:p>
             <a:r>
-              <a:rPr lang="en-US" kern="0" dirty="0" smtClean="0"/>
+              <a:rPr lang="en-US" kern="0" dirty="0"/>
               <a:t>Low-IF receivers are very popular in modern miniature FM receivers</a:t>
             </a:r>
           </a:p>
           <a:p>
             <a:pPr lvl="1"/>
             <a:r>
-              <a:rPr lang="en-US" kern="0" dirty="0" smtClean="0"/>
+              <a:rPr lang="en-US" kern="0" dirty="0"/>
               <a:t>Interferers are well known; no stronger transmitting signal in vicinity</a:t>
             </a:r>
           </a:p>
           <a:p>
             <a:pPr lvl="1"/>
-            <a:endParaRPr lang="en-US" kern="0" dirty="0" smtClean="0"/>
+            <a:endParaRPr lang="en-US" kern="0" dirty="0"/>
           </a:p>
         </p:txBody>
       </p:sp>
@@ -16506,10 +16268,9 @@
           <a:lstStyle/>
           <a:p>
             <a:r>
-              <a:rPr lang="en-US" dirty="0" smtClean="0"/>
+              <a:rPr lang="en-US" dirty="0"/>
               <a:t>General Considerations of RF Systems Design</a:t>
             </a:r>
-            <a:endParaRPr lang="en-US" dirty="0"/>
           </a:p>
         </p:txBody>
       </p:sp>
@@ -16534,89 +16295,88 @@
           <a:lstStyle/>
           <a:p>
             <a:r>
-              <a:rPr lang="en-US" dirty="0" smtClean="0"/>
+              <a:rPr lang="en-US" dirty="0"/>
               <a:t>Transmitter</a:t>
             </a:r>
           </a:p>
           <a:p>
             <a:pPr lvl="1"/>
             <a:r>
-              <a:rPr lang="en-US" dirty="0" smtClean="0"/>
+              <a:rPr lang="en-US" dirty="0"/>
               <a:t>Output power</a:t>
             </a:r>
           </a:p>
           <a:p>
             <a:pPr lvl="1"/>
             <a:r>
-              <a:rPr lang="en-US" dirty="0" smtClean="0"/>
+              <a:rPr lang="en-US" dirty="0"/>
               <a:t>Spurious emission</a:t>
             </a:r>
           </a:p>
           <a:p>
             <a:pPr lvl="1"/>
             <a:r>
-              <a:rPr lang="en-US" dirty="0" smtClean="0"/>
+              <a:rPr lang="en-US" dirty="0"/>
               <a:t>Linearity</a:t>
             </a:r>
           </a:p>
           <a:p>
             <a:pPr lvl="1"/>
             <a:r>
-              <a:rPr lang="en-US" dirty="0" smtClean="0"/>
+              <a:rPr lang="en-US" dirty="0"/>
               <a:t>Efficiency</a:t>
             </a:r>
           </a:p>
           <a:p>
             <a:pPr lvl="1"/>
             <a:r>
-              <a:rPr lang="en-US" dirty="0" smtClean="0"/>
+              <a:rPr lang="en-US" dirty="0"/>
               <a:t>Complexity</a:t>
             </a:r>
           </a:p>
           <a:p>
-            <a:endParaRPr lang="en-US" dirty="0" smtClean="0"/>
-          </a:p>
-          <a:p>
-            <a:r>
-              <a:rPr lang="en-US" dirty="0" smtClean="0"/>
+            <a:endParaRPr lang="en-US" dirty="0"/>
+          </a:p>
+          <a:p>
+            <a:r>
+              <a:rPr lang="en-US" dirty="0"/>
               <a:t>Receiver</a:t>
             </a:r>
           </a:p>
           <a:p>
             <a:pPr lvl="1"/>
             <a:r>
-              <a:rPr lang="en-US" dirty="0" smtClean="0"/>
+              <a:rPr lang="en-US" dirty="0"/>
               <a:t>Sensitivity (noise)</a:t>
             </a:r>
           </a:p>
           <a:p>
             <a:pPr lvl="1"/>
             <a:r>
-              <a:rPr lang="en-US" dirty="0" smtClean="0"/>
+              <a:rPr lang="en-US" dirty="0"/>
               <a:t>Gain</a:t>
             </a:r>
           </a:p>
           <a:p>
             <a:pPr lvl="1"/>
             <a:r>
-              <a:rPr lang="en-US" dirty="0" smtClean="0"/>
+              <a:rPr lang="en-US" dirty="0"/>
               <a:t>Linearity</a:t>
             </a:r>
           </a:p>
           <a:p>
             <a:pPr lvl="1"/>
             <a:r>
-              <a:rPr lang="en-US" dirty="0" smtClean="0"/>
+              <a:rPr lang="en-US" dirty="0"/>
               <a:t>Selectivity (Immunity to Interference)</a:t>
             </a:r>
           </a:p>
           <a:p>
             <a:pPr lvl="1"/>
             <a:r>
-              <a:rPr lang="en-US" dirty="0" smtClean="0"/>
+              <a:rPr lang="en-US" dirty="0"/>
               <a:t>Complexity</a:t>
             </a:r>
-            <a:endParaRPr lang="en-US" dirty="0"/>
           </a:p>
         </p:txBody>
       </p:sp>
@@ -16681,7 +16441,7 @@
             <a:lstStyle/>
             <a:p>
               <a:r>
-                <a:rPr lang="en-US" sz="2000" dirty="0" smtClean="0">
+                <a:rPr lang="en-US" sz="2000" dirty="0">
                   <a:solidFill>
                     <a:srgbClr val="000000"/>
                   </a:solidFill>
@@ -16755,7 +16515,7 @@
             <a:lstStyle/>
             <a:p>
               <a:r>
-                <a:rPr lang="en-US" sz="2000" dirty="0" smtClean="0">
+                <a:rPr lang="en-US" sz="2000" dirty="0">
                   <a:solidFill>
                     <a:srgbClr val="000000"/>
                   </a:solidFill>
@@ -16778,13 +16538,6 @@
   <p:clrMapOvr>
     <a:masterClrMapping/>
   </p:clrMapOvr>
-  <p:timing>
-    <p:tnLst>
-      <p:par>
-        <p:cTn id="1" dur="indefinite" restart="never" nodeType="tmRoot"/>
-      </p:par>
-    </p:tnLst>
-  </p:timing>
 </p:sld>
 </file>
 
@@ -16821,10 +16574,9 @@
           <a:lstStyle/>
           <a:p>
             <a:r>
-              <a:rPr lang="en-US" dirty="0" smtClean="0"/>
+              <a:rPr lang="en-US" dirty="0"/>
               <a:t>Interference</a:t>
             </a:r>
-            <a:endParaRPr lang="en-US" dirty="0"/>
           </a:p>
         </p:txBody>
       </p:sp>
@@ -16881,13 +16633,6 @@
   <p:clrMapOvr>
     <a:masterClrMapping/>
   </p:clrMapOvr>
-  <p:timing>
-    <p:tnLst>
-      <p:par>
-        <p:cTn id="1" dur="indefinite" restart="never" nodeType="tmRoot"/>
-      </p:par>
-    </p:tnLst>
-  </p:timing>
 </p:sld>
 </file>
 
@@ -16965,10 +16710,9 @@
           <a:lstStyle/>
           <a:p>
             <a:r>
-              <a:rPr lang="en-US" dirty="0" smtClean="0"/>
+              <a:rPr lang="en-US" dirty="0"/>
               <a:t>Interference</a:t>
             </a:r>
-            <a:endParaRPr lang="en-US" dirty="0"/>
           </a:p>
         </p:txBody>
       </p:sp>
@@ -16993,17 +16737,16 @@
           <a:lstStyle/>
           <a:p>
             <a:r>
-              <a:rPr lang="en-US" dirty="0" smtClean="0"/>
+              <a:rPr lang="en-US" dirty="0"/>
               <a:t>Interference: unwanted out-of-band or in-band signals</a:t>
             </a:r>
           </a:p>
           <a:p>
             <a:pPr algn="just"/>
             <a:r>
-              <a:rPr lang="en-US" dirty="0" smtClean="0"/>
+              <a:rPr lang="en-US" dirty="0"/>
               <a:t>In practical RF system designs, interference may become the limiting factor in system performance. They must be taken into account in the design phase</a:t>
             </a:r>
-            <a:endParaRPr lang="en-US" dirty="0"/>
           </a:p>
         </p:txBody>
       </p:sp>
@@ -17030,7 +16773,7 @@
           <a:lstStyle/>
           <a:p>
             <a:r>
-              <a:rPr lang="en-US" sz="2000" dirty="0" err="1" smtClean="0">
+              <a:rPr lang="en-US" sz="2000" dirty="0" err="1">
                 <a:solidFill>
                   <a:srgbClr val="000000"/>
                 </a:solidFill>
@@ -17040,7 +16783,7 @@
               <a:t>LightSquared</a:t>
             </a:r>
             <a:r>
-              <a:rPr lang="en-US" sz="2000" dirty="0" smtClean="0">
+              <a:rPr lang="en-US" sz="2000" dirty="0">
                 <a:solidFill>
                   <a:srgbClr val="000000"/>
                 </a:solidFill>
@@ -17079,7 +16822,7 @@
               <a:buChar char="•"/>
             </a:pPr>
             <a:r>
-              <a:rPr lang="en-US" sz="1600" dirty="0" smtClean="0">
+              <a:rPr lang="en-US" sz="1600" dirty="0">
                 <a:solidFill>
                   <a:srgbClr val="000000"/>
                 </a:solidFill>
@@ -17089,7 +16832,7 @@
               <a:t>In 2004, </a:t>
             </a:r>
             <a:r>
-              <a:rPr lang="en-US" sz="1600" dirty="0" err="1" smtClean="0">
+              <a:rPr lang="en-US" sz="1600" dirty="0" err="1">
                 <a:solidFill>
                   <a:srgbClr val="000000"/>
                 </a:solidFill>
@@ -17099,7 +16842,7 @@
               <a:t>LightSquared</a:t>
             </a:r>
             <a:r>
-              <a:rPr lang="en-US" sz="1600" dirty="0" smtClean="0">
+              <a:rPr lang="en-US" sz="1600" dirty="0">
                 <a:solidFill>
                   <a:srgbClr val="000000"/>
                 </a:solidFill>
@@ -17115,7 +16858,7 @@
               <a:buChar char="•"/>
             </a:pPr>
             <a:r>
-              <a:rPr lang="en-US" sz="1600" dirty="0" smtClean="0">
+              <a:rPr lang="en-US" sz="1600" dirty="0">
                 <a:solidFill>
                   <a:srgbClr val="000000"/>
                 </a:solidFill>
@@ -17125,7 +16868,7 @@
               <a:t>After </a:t>
             </a:r>
             <a:r>
-              <a:rPr lang="en-US" sz="1600" dirty="0" err="1" smtClean="0">
+              <a:rPr lang="en-US" sz="1600" dirty="0" err="1">
                 <a:solidFill>
                   <a:srgbClr val="000000"/>
                 </a:solidFill>
@@ -17135,7 +16878,7 @@
               <a:t>LightSquared</a:t>
             </a:r>
             <a:r>
-              <a:rPr lang="en-US" sz="1600" dirty="0" smtClean="0">
+              <a:rPr lang="en-US" sz="1600" dirty="0">
                 <a:solidFill>
                   <a:srgbClr val="000000"/>
                 </a:solidFill>
@@ -17145,7 +16888,7 @@
               <a:t> started deploying some of its base-stations, people noticed strong interference to some existing GPS receivers. The GPS community has since opposed the deployment of </a:t>
             </a:r>
             <a:r>
-              <a:rPr lang="en-US" sz="1600" dirty="0" err="1" smtClean="0">
+              <a:rPr lang="en-US" sz="1600" dirty="0" err="1">
                 <a:solidFill>
                   <a:srgbClr val="000000"/>
                 </a:solidFill>
@@ -17155,7 +16898,7 @@
               <a:t>LightSquared</a:t>
             </a:r>
             <a:r>
-              <a:rPr lang="en-US" sz="1600" dirty="0" smtClean="0">
+              <a:rPr lang="en-US" sz="1600" dirty="0">
                 <a:solidFill>
                   <a:srgbClr val="000000"/>
                 </a:solidFill>
@@ -17165,7 +16908,7 @@
               <a:t> networks. Interestingly, only those GPS receivers </a:t>
             </a:r>
             <a:r>
-              <a:rPr lang="en-US" sz="1600" b="1" dirty="0" smtClean="0">
+              <a:rPr lang="en-US" sz="1600" b="1" dirty="0">
                 <a:solidFill>
                   <a:srgbClr val="C00000"/>
                 </a:solidFill>
@@ -17175,7 +16918,7 @@
               <a:t>without a front-end filter </a:t>
             </a:r>
             <a:r>
-              <a:rPr lang="en-US" sz="1600" dirty="0" smtClean="0">
+              <a:rPr lang="en-US" sz="1600" dirty="0">
                 <a:solidFill>
                   <a:srgbClr val="000000"/>
                 </a:solidFill>
@@ -17191,7 +16934,7 @@
               <a:buChar char="•"/>
             </a:pPr>
             <a:r>
-              <a:rPr lang="en-US" sz="1600" dirty="0" smtClean="0">
+              <a:rPr lang="en-US" sz="1600" dirty="0">
                 <a:solidFill>
                   <a:srgbClr val="000000"/>
                 </a:solidFill>
@@ -17201,7 +16944,7 @@
               <a:t>In 2012, FCC moved to bar </a:t>
             </a:r>
             <a:r>
-              <a:rPr lang="en-US" sz="1600" dirty="0" err="1" smtClean="0">
+              <a:rPr lang="en-US" sz="1600" dirty="0" err="1">
                 <a:solidFill>
                   <a:srgbClr val="000000"/>
                 </a:solidFill>
@@ -17211,7 +16954,7 @@
               <a:t>LightSquared’s</a:t>
             </a:r>
             <a:r>
-              <a:rPr lang="en-US" sz="1600" dirty="0" smtClean="0">
+              <a:rPr lang="en-US" sz="1600" dirty="0">
                 <a:solidFill>
                   <a:srgbClr val="000000"/>
                 </a:solidFill>
@@ -17227,7 +16970,7 @@
               <a:buChar char="•"/>
             </a:pPr>
             <a:r>
-              <a:rPr lang="en-US" sz="1600" dirty="0" smtClean="0">
+              <a:rPr lang="en-US" sz="1600" dirty="0">
                 <a:solidFill>
                   <a:srgbClr val="000000"/>
                 </a:solidFill>
@@ -17237,7 +16980,7 @@
               <a:t>In May 2012, </a:t>
             </a:r>
             <a:r>
-              <a:rPr lang="en-US" sz="1600" dirty="0" err="1" smtClean="0">
+              <a:rPr lang="en-US" sz="1600" dirty="0" err="1">
                 <a:solidFill>
                   <a:srgbClr val="000000"/>
                 </a:solidFill>
@@ -17247,7 +16990,7 @@
               <a:t>LightSquared</a:t>
             </a:r>
             <a:r>
-              <a:rPr lang="en-US" sz="1600" dirty="0" smtClean="0">
+              <a:rPr lang="en-US" sz="1600" dirty="0">
                 <a:solidFill>
                   <a:srgbClr val="000000"/>
                 </a:solidFill>
@@ -17257,7 +17000,7 @@
               <a:t> filed for bankruptcy. </a:t>
             </a:r>
             <a:r>
-              <a:rPr lang="en-US" sz="1600" dirty="0" err="1" smtClean="0">
+              <a:rPr lang="en-US" sz="1600" dirty="0" err="1">
                 <a:solidFill>
                   <a:srgbClr val="000000"/>
                 </a:solidFill>
@@ -17267,16 +17010,6 @@
               <a:t>LightSquared</a:t>
             </a:r>
             <a:r>
-              <a:rPr lang="en-US" sz="1600" dirty="0" smtClean="0">
-                <a:solidFill>
-                  <a:srgbClr val="000000"/>
-                </a:solidFill>
-                <a:latin typeface="Kalinga" panose="020B0502040204020203" pitchFamily="34" charset="0"/>
-                <a:cs typeface="Kalinga" panose="020B0502040204020203" pitchFamily="34" charset="0"/>
-              </a:rPr>
-              <a:t> has since lost </a:t>
-            </a:r>
-            <a:r>
               <a:rPr lang="en-US" sz="1600" dirty="0">
                 <a:solidFill>
                   <a:srgbClr val="000000"/>
@@ -17284,17 +17017,7 @@
                 <a:latin typeface="Kalinga" panose="020B0502040204020203" pitchFamily="34" charset="0"/>
                 <a:cs typeface="Kalinga" panose="020B0502040204020203" pitchFamily="34" charset="0"/>
               </a:rPr>
-              <a:t>$ </a:t>
-            </a:r>
-            <a:r>
-              <a:rPr lang="en-US" sz="1600" dirty="0" smtClean="0">
-                <a:solidFill>
-                  <a:srgbClr val="000000"/>
-                </a:solidFill>
-                <a:latin typeface="Kalinga" panose="020B0502040204020203" pitchFamily="34" charset="0"/>
-                <a:cs typeface="Kalinga" panose="020B0502040204020203" pitchFamily="34" charset="0"/>
-              </a:rPr>
-              <a:t>1.6 Billion and the figure is still rising…</a:t>
+              <a:t> has since lost $ 1.6 Billion and the figure is still rising…</a:t>
             </a:r>
           </a:p>
           <a:p>
@@ -17302,7 +17025,7 @@
               <a:buFont typeface="Arial" panose="020B0604020202020204" pitchFamily="34" charset="0"/>
               <a:buChar char="•"/>
             </a:pPr>
-            <a:endParaRPr lang="en-US" sz="1600" dirty="0" smtClean="0">
+            <a:endParaRPr lang="en-US" sz="1600" dirty="0">
               <a:solidFill>
                 <a:srgbClr val="000000"/>
               </a:solidFill>
@@ -17334,21 +17057,12 @@
           <a:lstStyle/>
           <a:p>
             <a:r>
-              <a:rPr lang="en-US" sz="1400" dirty="0" smtClean="0">
+              <a:rPr lang="en-US" sz="1400" dirty="0">
                 <a:solidFill>
                   <a:srgbClr val="000000"/>
                 </a:solidFill>
               </a:rPr>
               <a:t>Read more: </a:t>
-            </a:r>
-            <a:r>
-              <a:rPr lang="en-US" sz="1400" dirty="0" smtClean="0">
-                <a:solidFill>
-                  <a:srgbClr val="000000"/>
-                </a:solidFill>
-                <a:hlinkClick r:id="rId3"/>
-              </a:rPr>
-              <a:t>http</a:t>
             </a:r>
             <a:r>
               <a:rPr lang="en-US" sz="1400" dirty="0">
@@ -17357,16 +17071,7 @@
                 </a:solidFill>
                 <a:hlinkClick r:id="rId3"/>
               </a:rPr>
-              <a:t>://</a:t>
-            </a:r>
-            <a:r>
-              <a:rPr lang="en-US" sz="1400" dirty="0" smtClean="0">
-                <a:solidFill>
-                  <a:srgbClr val="000000"/>
-                </a:solidFill>
-                <a:hlinkClick r:id="rId3"/>
-              </a:rPr>
-              <a:t>en.wikipedia.org/wiki/LightSquared</a:t>
+              <a:t>http://en.wikipedia.org/wiki/LightSquared</a:t>
             </a:r>
             <a:endParaRPr lang="en-US" sz="1400" dirty="0">
               <a:solidFill>
@@ -17386,13 +17091,6 @@
   <p:clrMapOvr>
     <a:masterClrMapping/>
   </p:clrMapOvr>
-  <p:timing>
-    <p:tnLst>
-      <p:par>
-        <p:cTn id="1" dur="indefinite" restart="never" nodeType="tmRoot"/>
-      </p:par>
-    </p:tnLst>
-  </p:timing>
 </p:sld>
 </file>
 
@@ -17429,10 +17127,9 @@
           <a:lstStyle/>
           <a:p>
             <a:r>
-              <a:rPr lang="en-US" dirty="0" smtClean="0"/>
+              <a:rPr lang="en-US" dirty="0"/>
               <a:t>Front-end Filtering May NOT be Enough</a:t>
             </a:r>
-            <a:endParaRPr lang="en-US" dirty="0"/>
           </a:p>
         </p:txBody>
       </p:sp>
@@ -17457,37 +17154,36 @@
           <a:lstStyle/>
           <a:p>
             <a:r>
-              <a:rPr lang="en-US" dirty="0" smtClean="0"/>
+              <a:rPr lang="en-US" dirty="0"/>
               <a:t>Sometimes interferers are too close to the desired signal that the front-end filter cannot be completely eliminate the interferer. </a:t>
             </a:r>
           </a:p>
           <a:p>
             <a:pPr lvl="1"/>
             <a:r>
-              <a:rPr lang="en-US" dirty="0" smtClean="0"/>
+              <a:rPr lang="en-US" dirty="0"/>
               <a:t>The required filter may be too narrow-band that its loss can not be tolerated by the receiver</a:t>
             </a:r>
           </a:p>
           <a:p>
             <a:r>
-              <a:rPr lang="en-US" dirty="0" smtClean="0"/>
+              <a:rPr lang="en-US" dirty="0"/>
               <a:t>The front-end filter usually selects a band of frequency around the desired signal, allowing some interferers to pass through</a:t>
             </a:r>
           </a:p>
           <a:p>
             <a:pPr lvl="1"/>
             <a:r>
-              <a:rPr lang="en-US" dirty="0" smtClean="0"/>
+              <a:rPr lang="en-US" dirty="0"/>
               <a:t>Any receiver components must be linear enough to accommodate the interferer alongside the desired signal</a:t>
             </a:r>
           </a:p>
           <a:p>
             <a:pPr lvl="1"/>
             <a:r>
-              <a:rPr lang="en-US" dirty="0" smtClean="0"/>
+              <a:rPr lang="en-US" dirty="0"/>
               <a:t>Recall the non-linearity discussion in the RF Amplifiers lectures; strong interferers may desensitize or saturate the first receiver amplifier</a:t>
             </a:r>
-            <a:endParaRPr lang="en-US" dirty="0"/>
           </a:p>
         </p:txBody>
       </p:sp>
@@ -17561,7 +17257,7 @@
           <a:lstStyle/>
           <a:p>
             <a:r>
-              <a:rPr lang="en-US" sz="800" dirty="0" smtClean="0">
+              <a:rPr lang="en-US" sz="800" dirty="0">
                 <a:solidFill>
                   <a:srgbClr val="000000"/>
                 </a:solidFill>
@@ -17571,7 +17267,7 @@
               <a:t>B. </a:t>
             </a:r>
             <a:r>
-              <a:rPr lang="en-US" sz="800" dirty="0" err="1" smtClean="0">
+              <a:rPr lang="en-US" sz="800" dirty="0" err="1">
                 <a:solidFill>
                   <a:srgbClr val="000000"/>
                 </a:solidFill>
@@ -17581,7 +17277,7 @@
               <a:t>Razavi</a:t>
             </a:r>
             <a:r>
-              <a:rPr lang="en-US" sz="800" dirty="0" smtClean="0">
+              <a:rPr lang="en-US" sz="800" dirty="0">
                 <a:solidFill>
                   <a:srgbClr val="000000"/>
                 </a:solidFill>
@@ -17603,13 +17299,6 @@
   <p:clrMapOvr>
     <a:masterClrMapping/>
   </p:clrMapOvr>
-  <p:timing>
-    <p:tnLst>
-      <p:par>
-        <p:cTn id="1" dur="indefinite" restart="never" nodeType="tmRoot"/>
-      </p:par>
-    </p:tnLst>
-  </p:timing>
 </p:sld>
 </file>
 
@@ -17670,10 +17359,9 @@
           <a:lstStyle/>
           <a:p>
             <a:r>
-              <a:rPr lang="en-US" dirty="0" smtClean="0"/>
+              <a:rPr lang="en-US" dirty="0"/>
               <a:t>Transmitter Spurious Emission</a:t>
             </a:r>
-            <a:endParaRPr lang="en-US" dirty="0"/>
           </a:p>
         </p:txBody>
       </p:sp>
@@ -17698,31 +17386,30 @@
           <a:lstStyle/>
           <a:p>
             <a:r>
-              <a:rPr lang="en-US" dirty="0" smtClean="0"/>
+              <a:rPr lang="en-US" dirty="0"/>
               <a:t>The non-linearity of the transmitter power amplifier may cause out-of-band emission and must be well controlled</a:t>
             </a:r>
           </a:p>
           <a:p>
             <a:pPr lvl="1"/>
             <a:r>
-              <a:rPr lang="en-US" dirty="0" smtClean="0"/>
+              <a:rPr lang="en-US" dirty="0"/>
               <a:t>The sideband of a modulated signal rise significantly as the power amplifier enters compression and saturation region</a:t>
             </a:r>
           </a:p>
           <a:p>
             <a:pPr lvl="1"/>
             <a:r>
-              <a:rPr lang="en-US" dirty="0" smtClean="0"/>
+              <a:rPr lang="en-US" dirty="0"/>
               <a:t>The power amplifier must be sufficiently linearized</a:t>
             </a:r>
           </a:p>
           <a:p>
             <a:pPr lvl="1"/>
             <a:r>
-              <a:rPr lang="en-US" dirty="0" smtClean="0"/>
+              <a:rPr lang="en-US" dirty="0"/>
               <a:t>Or a strong filter will need to be used before the signal is transmitted to the antenna</a:t>
             </a:r>
-            <a:endParaRPr lang="en-US" dirty="0"/>
           </a:p>
         </p:txBody>
       </p:sp>
@@ -17863,7 +17550,7 @@
           <a:lstStyle/>
           <a:p>
             <a:r>
-              <a:rPr lang="en-US" sz="2000" dirty="0" smtClean="0">
+              <a:rPr lang="en-US" sz="2000" dirty="0">
                 <a:solidFill>
                   <a:srgbClr val="000000"/>
                 </a:solidFill>
@@ -17898,7 +17585,7 @@
           <a:lstStyle/>
           <a:p>
             <a:r>
-              <a:rPr lang="en-US" sz="800" dirty="0" smtClean="0">
+              <a:rPr lang="en-US" sz="800" dirty="0">
                 <a:solidFill>
                   <a:srgbClr val="000000"/>
                 </a:solidFill>
@@ -17908,7 +17595,7 @@
               <a:t>B. </a:t>
             </a:r>
             <a:r>
-              <a:rPr lang="en-US" sz="800" dirty="0" err="1" smtClean="0">
+              <a:rPr lang="en-US" sz="800" dirty="0" err="1">
                 <a:solidFill>
                   <a:srgbClr val="000000"/>
                 </a:solidFill>
@@ -17918,7 +17605,7 @@
               <a:t>Razavi</a:t>
             </a:r>
             <a:r>
-              <a:rPr lang="en-US" sz="800" dirty="0" smtClean="0">
+              <a:rPr lang="en-US" sz="800" dirty="0">
                 <a:solidFill>
                   <a:srgbClr val="000000"/>
                 </a:solidFill>
@@ -17940,13 +17627,6 @@
   <p:clrMapOvr>
     <a:masterClrMapping/>
   </p:clrMapOvr>
-  <p:timing>
-    <p:tnLst>
-      <p:par>
-        <p:cTn id="1" dur="indefinite" restart="never" nodeType="tmRoot"/>
-      </p:par>
-    </p:tnLst>
-  </p:timing>
 </p:sld>
 </file>
 
@@ -17983,14 +17663,9 @@
           <a:lstStyle/>
           <a:p>
             <a:r>
-              <a:rPr lang="en-US" dirty="0" smtClean="0"/>
-              <a:t>Receiver </a:t>
-            </a:r>
-            <a:r>
-              <a:rPr lang="en-US" dirty="0" smtClean="0"/>
-              <a:t>Architectures </a:t>
-            </a:r>
-            <a:endParaRPr lang="en-US" dirty="0"/>
+              <a:rPr lang="en-US" dirty="0"/>
+              <a:t>Receiver Architectures </a:t>
+            </a:r>
           </a:p>
         </p:txBody>
       </p:sp>
@@ -18015,14 +17690,13 @@
           <a:lstStyle/>
           <a:p>
             <a:r>
-              <a:rPr lang="en-US" dirty="0" err="1" smtClean="0"/>
+              <a:rPr lang="en-US" dirty="0" err="1"/>
               <a:t>Superheterodyne</a:t>
             </a:r>
             <a:r>
-              <a:rPr lang="en-US" dirty="0" smtClean="0"/>
+              <a:rPr lang="en-US" dirty="0"/>
               <a:t> vs. Direct Conversion</a:t>
             </a:r>
-            <a:endParaRPr lang="en-US" dirty="0"/>
           </a:p>
         </p:txBody>
       </p:sp>
@@ -18036,13 +17710,6 @@
   <p:clrMapOvr>
     <a:masterClrMapping/>
   </p:clrMapOvr>
-  <p:timing>
-    <p:tnLst>
-      <p:par>
-        <p:cTn id="1" dur="indefinite" restart="never" nodeType="tmRoot"/>
-      </p:par>
-    </p:tnLst>
-  </p:timing>
 </p:sld>
 </file>
 
@@ -18079,10 +17746,9 @@
           <a:lstStyle/>
           <a:p>
             <a:r>
-              <a:rPr lang="en-US" dirty="0" smtClean="0"/>
+              <a:rPr lang="en-US" dirty="0"/>
               <a:t>Band  Selection and Channel Selection</a:t>
             </a:r>
-            <a:endParaRPr lang="en-US" dirty="0"/>
           </a:p>
         </p:txBody>
       </p:sp>
@@ -18108,27 +17774,22 @@
           <a:p>
             <a:r>
               <a:rPr lang="en-US" dirty="0"/>
-              <a:t>Example: Global System for Mobile </a:t>
-            </a:r>
-            <a:r>
-              <a:rPr lang="en-US" dirty="0" smtClean="0"/>
-              <a:t>Communications (GSM) – 2G cellular standard</a:t>
+              <a:t>Example: Global System for Mobile Communications (GSM) – 2G cellular standard</a:t>
             </a:r>
           </a:p>
           <a:p>
             <a:pPr lvl="1"/>
             <a:r>
-              <a:rPr lang="en-US" dirty="0" smtClean="0"/>
+              <a:rPr lang="en-US" dirty="0"/>
               <a:t>A GSM system has 124 pairs of simplex (meaning only transmit or only receive) channels, each of 200-kHz wide. </a:t>
             </a:r>
           </a:p>
           <a:p>
             <a:pPr lvl="1"/>
             <a:r>
-              <a:rPr lang="en-US" dirty="0" smtClean="0"/>
+              <a:rPr lang="en-US" dirty="0"/>
               <a:t>Selecting a channel (0.2 MHz) at the RF frequency (~900 MHz) is very difficult, if not impossible</a:t>
             </a:r>
-            <a:endParaRPr lang="en-US" dirty="0"/>
           </a:p>
         </p:txBody>
       </p:sp>
@@ -18252,7 +17913,7 @@
           <a:lstStyle/>
           <a:p>
             <a:r>
-              <a:rPr lang="en-US" sz="800" dirty="0" smtClean="0">
+              <a:rPr lang="en-US" sz="800" dirty="0">
                 <a:solidFill>
                   <a:srgbClr val="000000"/>
                 </a:solidFill>
@@ -18262,7 +17923,7 @@
               <a:t>B. </a:t>
             </a:r>
             <a:r>
-              <a:rPr lang="en-US" sz="800" dirty="0" err="1" smtClean="0">
+              <a:rPr lang="en-US" sz="800" dirty="0" err="1">
                 <a:solidFill>
                   <a:srgbClr val="000000"/>
                 </a:solidFill>
@@ -18272,7 +17933,7 @@
               <a:t>Razavi</a:t>
             </a:r>
             <a:r>
-              <a:rPr lang="en-US" sz="800" dirty="0" smtClean="0">
+              <a:rPr lang="en-US" sz="800" dirty="0">
                 <a:solidFill>
                   <a:srgbClr val="000000"/>
                 </a:solidFill>
@@ -18294,13 +17955,6 @@
   <p:clrMapOvr>
     <a:masterClrMapping/>
   </p:clrMapOvr>
-  <p:timing>
-    <p:tnLst>
-      <p:par>
-        <p:cTn id="1" dur="indefinite" restart="never" nodeType="tmRoot"/>
-      </p:par>
-    </p:tnLst>
-  </p:timing>
 </p:sld>
 </file>
 
